--- a/Google Play™ Store Analysis.pptx
+++ b/Google Play™ Store Analysis.pptx
@@ -7,17 +7,27 @@
   <p:sldIdLst>
     <p:sldId id="256" r:id="rId2"/>
     <p:sldId id="259" r:id="rId3"/>
-    <p:sldId id="257" r:id="rId4"/>
-    <p:sldId id="258" r:id="rId5"/>
-    <p:sldId id="268" r:id="rId6"/>
-    <p:sldId id="260" r:id="rId7"/>
-    <p:sldId id="261" r:id="rId8"/>
-    <p:sldId id="262" r:id="rId9"/>
-    <p:sldId id="263" r:id="rId10"/>
-    <p:sldId id="264" r:id="rId11"/>
-    <p:sldId id="265" r:id="rId12"/>
-    <p:sldId id="266" r:id="rId13"/>
-    <p:sldId id="267" r:id="rId14"/>
+    <p:sldId id="269" r:id="rId4"/>
+    <p:sldId id="257" r:id="rId5"/>
+    <p:sldId id="258" r:id="rId6"/>
+    <p:sldId id="268" r:id="rId7"/>
+    <p:sldId id="260" r:id="rId8"/>
+    <p:sldId id="261" r:id="rId9"/>
+    <p:sldId id="262" r:id="rId10"/>
+    <p:sldId id="263" r:id="rId11"/>
+    <p:sldId id="264" r:id="rId12"/>
+    <p:sldId id="265" r:id="rId13"/>
+    <p:sldId id="266" r:id="rId14"/>
+    <p:sldId id="267" r:id="rId15"/>
+    <p:sldId id="271" r:id="rId16"/>
+    <p:sldId id="272" r:id="rId17"/>
+    <p:sldId id="273" r:id="rId18"/>
+    <p:sldId id="274" r:id="rId19"/>
+    <p:sldId id="275" r:id="rId20"/>
+    <p:sldId id="276" r:id="rId21"/>
+    <p:sldId id="278" r:id="rId22"/>
+    <p:sldId id="279" r:id="rId23"/>
+    <p:sldId id="280" r:id="rId24"/>
   </p:sldIdLst>
   <p:sldSz cx="12192000" cy="6858000"/>
   <p:notesSz cx="6858000" cy="9144000"/>
@@ -116,6 +126,11 @@
       </a:defRPr>
     </a:lvl9pPr>
   </p:defaultTextStyle>
+  <p:extLst>
+    <p:ext uri="{EFAFB233-063F-42B5-8137-9DF3F51BA10A}">
+      <p15:sldGuideLst xmlns:p15="http://schemas.microsoft.com/office/powerpoint/2012/main"/>
+    </p:ext>
+  </p:extLst>
 </p:presentation>
 </file>
 
@@ -865,7 +880,7 @@
             <a:fld id="{B61BEF0D-F0BB-DE4B-95CE-6DB70DBA9567}" type="datetimeFigureOut">
               <a:rPr lang="en-US" dirty="0"/>
               <a:pPr/>
-              <a:t>11/8/2018</a:t>
+              <a:t>11/9/2018</a:t>
             </a:fld>
             <a:endParaRPr lang="en-US" dirty="0"/>
           </a:p>
@@ -1113,7 +1128,7 @@
             <a:fld id="{B61BEF0D-F0BB-DE4B-95CE-6DB70DBA9567}" type="datetimeFigureOut">
               <a:rPr lang="en-US" dirty="0"/>
               <a:pPr/>
-              <a:t>11/8/2018</a:t>
+              <a:t>11/9/2018</a:t>
             </a:fld>
             <a:endParaRPr lang="en-US" dirty="0"/>
           </a:p>
@@ -1424,7 +1439,7 @@
             <a:fld id="{B61BEF0D-F0BB-DE4B-95CE-6DB70DBA9567}" type="datetimeFigureOut">
               <a:rPr lang="en-US" dirty="0"/>
               <a:pPr/>
-              <a:t>11/8/2018</a:t>
+              <a:t>11/9/2018</a:t>
             </a:fld>
             <a:endParaRPr lang="en-US" dirty="0"/>
           </a:p>
@@ -1754,7 +1769,7 @@
             <a:fld id="{B61BEF0D-F0BB-DE4B-95CE-6DB70DBA9567}" type="datetimeFigureOut">
               <a:rPr lang="en-US" dirty="0"/>
               <a:pPr/>
-              <a:t>11/8/2018</a:t>
+              <a:t>11/9/2018</a:t>
             </a:fld>
             <a:endParaRPr lang="en-US" dirty="0"/>
           </a:p>
@@ -2065,7 +2080,7 @@
             <a:fld id="{B61BEF0D-F0BB-DE4B-95CE-6DB70DBA9567}" type="datetimeFigureOut">
               <a:rPr lang="en-US" dirty="0"/>
               <a:pPr/>
-              <a:t>11/8/2018</a:t>
+              <a:t>11/9/2018</a:t>
             </a:fld>
             <a:endParaRPr lang="en-US" dirty="0"/>
           </a:p>
@@ -2455,7 +2470,7 @@
             <a:fld id="{B61BEF0D-F0BB-DE4B-95CE-6DB70DBA9567}" type="datetimeFigureOut">
               <a:rPr lang="en-US" dirty="0"/>
               <a:pPr/>
-              <a:t>11/8/2018</a:t>
+              <a:t>11/9/2018</a:t>
             </a:fld>
             <a:endParaRPr lang="en-US" dirty="0"/>
           </a:p>
@@ -2621,7 +2636,7 @@
           <a:p>
             <a:fld id="{55C6B4A9-1611-4792-9094-5F34BCA07E0B}" type="datetimeFigureOut">
               <a:rPr lang="en-US" dirty="0"/>
-              <a:t>11/8/2018</a:t>
+              <a:t>11/9/2018</a:t>
             </a:fld>
             <a:endParaRPr lang="en-US" dirty="0"/>
           </a:p>
@@ -2797,7 +2812,7 @@
             <a:fld id="{B61BEF0D-F0BB-DE4B-95CE-6DB70DBA9567}" type="datetimeFigureOut">
               <a:rPr lang="en-US" dirty="0"/>
               <a:pPr/>
-              <a:t>11/8/2018</a:t>
+              <a:t>11/9/2018</a:t>
             </a:fld>
             <a:endParaRPr lang="en-US" dirty="0"/>
           </a:p>
@@ -2963,7 +2978,7 @@
           <a:p>
             <a:fld id="{42A54C80-263E-416B-A8E0-580EDEADCBDC}" type="datetimeFigureOut">
               <a:rPr lang="en-US" dirty="0"/>
-              <a:t>11/8/2018</a:t>
+              <a:t>11/9/2018</a:t>
             </a:fld>
             <a:endParaRPr lang="en-US" dirty="0"/>
           </a:p>
@@ -3206,7 +3221,7 @@
             <a:fld id="{B61BEF0D-F0BB-DE4B-95CE-6DB70DBA9567}" type="datetimeFigureOut">
               <a:rPr lang="en-US" dirty="0"/>
               <a:pPr/>
-              <a:t>11/8/2018</a:t>
+              <a:t>11/9/2018</a:t>
             </a:fld>
             <a:endParaRPr lang="en-US" dirty="0"/>
           </a:p>
@@ -3434,7 +3449,7 @@
           <a:p>
             <a:fld id="{42A54C80-263E-416B-A8E0-580EDEADCBDC}" type="datetimeFigureOut">
               <a:rPr lang="en-US" dirty="0"/>
-              <a:t>11/8/2018</a:t>
+              <a:t>11/9/2018</a:t>
             </a:fld>
             <a:endParaRPr lang="en-US" dirty="0"/>
           </a:p>
@@ -3804,7 +3819,7 @@
             <a:fld id="{B61BEF0D-F0BB-DE4B-95CE-6DB70DBA9567}" type="datetimeFigureOut">
               <a:rPr lang="en-US" dirty="0"/>
               <a:pPr/>
-              <a:t>11/8/2018</a:t>
+              <a:t>11/9/2018</a:t>
             </a:fld>
             <a:endParaRPr lang="en-US" dirty="0"/>
           </a:p>
@@ -3924,7 +3939,7 @@
             <a:fld id="{B61BEF0D-F0BB-DE4B-95CE-6DB70DBA9567}" type="datetimeFigureOut">
               <a:rPr lang="en-US" dirty="0"/>
               <a:pPr/>
-              <a:t>11/8/2018</a:t>
+              <a:t>11/9/2018</a:t>
             </a:fld>
             <a:endParaRPr lang="en-US" dirty="0"/>
           </a:p>
@@ -4016,7 +4031,7 @@
             <a:fld id="{B61BEF0D-F0BB-DE4B-95CE-6DB70DBA9567}" type="datetimeFigureOut">
               <a:rPr lang="en-US" dirty="0"/>
               <a:pPr/>
-              <a:t>11/8/2018</a:t>
+              <a:t>11/9/2018</a:t>
             </a:fld>
             <a:endParaRPr lang="en-US" dirty="0"/>
           </a:p>
@@ -4267,7 +4282,7 @@
           <a:p>
             <a:fld id="{42A54C80-263E-416B-A8E0-580EDEADCBDC}" type="datetimeFigureOut">
               <a:rPr lang="en-US" dirty="0"/>
-              <a:t>11/8/2018</a:t>
+              <a:t>11/9/2018</a:t>
             </a:fld>
             <a:endParaRPr lang="en-US" dirty="0"/>
           </a:p>
@@ -4569,7 +4584,7 @@
             <a:fld id="{B61BEF0D-F0BB-DE4B-95CE-6DB70DBA9567}" type="datetimeFigureOut">
               <a:rPr lang="en-US" dirty="0"/>
               <a:pPr/>
-              <a:t>11/8/2018</a:t>
+              <a:t>11/9/2018</a:t>
             </a:fld>
             <a:endParaRPr lang="en-US" dirty="0"/>
           </a:p>
@@ -5267,7 +5282,7 @@
             <a:fld id="{B61BEF0D-F0BB-DE4B-95CE-6DB70DBA9567}" type="datetimeFigureOut">
               <a:rPr lang="en-US" dirty="0"/>
               <a:pPr/>
-              <a:t>11/8/2018</a:t>
+              <a:t>11/9/2018</a:t>
             </a:fld>
             <a:endParaRPr lang="en-US" dirty="0"/>
           </a:p>
@@ -5893,7 +5908,7 @@
           <p:cNvPr id="2" name="Title 1">
             <a:extLst>
               <a:ext uri="{FF2B5EF4-FFF2-40B4-BE49-F238E27FC236}">
-                <a16:creationId xmlns:a16="http://schemas.microsoft.com/office/drawing/2014/main" id="{F14B8DA5-E1A7-426C-8A14-773053B6A69E}"/>
+                <a16:creationId xmlns:a16="http://schemas.microsoft.com/office/drawing/2014/main" id="{3E85B687-4B35-46CE-8D41-05EC8F2F8EF5}"/>
               </a:ext>
             </a:extLst>
           </p:cNvPr>
@@ -5924,8 +5939,15 @@
                   </a:outerShdw>
                 </a:effectLst>
               </a:rPr>
-              <a:t>Are people more likely to leave a negative review on an app they’ve paid for?</a:t>
-            </a:r>
+              <a:t>Does file size have an affect on how many people download an app?</a:t>
+            </a:r>
+            <a:br>
+              <a:rPr lang="en-US" dirty="0">
+                <a:solidFill>
+                  <a:srgbClr val="34A853"/>
+                </a:solidFill>
+              </a:rPr>
+            </a:br>
             <a:br>
               <a:rPr lang="en-US" dirty="0">
                 <a:solidFill>
@@ -5937,35 +5959,39 @@
           </a:p>
         </p:txBody>
       </p:sp>
-      <p:sp>
-        <p:nvSpPr>
-          <p:cNvPr id="3" name="Content Placeholder 2">
+      <p:pic>
+        <p:nvPicPr>
+          <p:cNvPr id="5" name="Content Placeholder 4">
             <a:extLst>
               <a:ext uri="{FF2B5EF4-FFF2-40B4-BE49-F238E27FC236}">
-                <a16:creationId xmlns:a16="http://schemas.microsoft.com/office/drawing/2014/main" id="{7C743D9E-B459-46C3-B155-1B7B1F93A5F5}"/>
+                <a16:creationId xmlns:a16="http://schemas.microsoft.com/office/drawing/2014/main" id="{0F33CEB4-D6BB-4FB8-AE92-C3684FCC76CD}"/>
               </a:ext>
             </a:extLst>
           </p:cNvPr>
-          <p:cNvSpPr>
-            <a:spLocks noGrp="1"/>
-          </p:cNvSpPr>
+          <p:cNvPicPr>
+            <a:picLocks noGrp="1" noChangeAspect="1"/>
+          </p:cNvPicPr>
           <p:nvPr>
             <p:ph idx="1"/>
           </p:nvPr>
-        </p:nvSpPr>
-        <p:spPr/>
-        <p:txBody>
-          <a:bodyPr/>
-          <a:lstStyle/>
-          <a:p>
-            <a:endParaRPr lang="en-US" dirty="0"/>
-          </a:p>
-        </p:txBody>
-      </p:sp>
+        </p:nvPicPr>
+        <p:blipFill>
+          <a:blip r:embed="rId2"/>
+          <a:stretch>
+            <a:fillRect/>
+          </a:stretch>
+        </p:blipFill>
+        <p:spPr>
+          <a:xfrm>
+            <a:off x="1442906" y="1745899"/>
+            <a:ext cx="6686026" cy="4457350"/>
+          </a:xfrm>
+        </p:spPr>
+      </p:pic>
     </p:spTree>
     <p:extLst>
       <p:ext uri="{BB962C8B-B14F-4D97-AF65-F5344CB8AC3E}">
-        <p14:creationId xmlns:p14="http://schemas.microsoft.com/office/powerpoint/2010/main" val="4014354572"/>
+        <p14:creationId xmlns:p14="http://schemas.microsoft.com/office/powerpoint/2010/main" val="519606211"/>
       </p:ext>
     </p:extLst>
   </p:cSld>
@@ -5997,7 +6023,7 @@
           <p:cNvPr id="2" name="Title 1">
             <a:extLst>
               <a:ext uri="{FF2B5EF4-FFF2-40B4-BE49-F238E27FC236}">
-                <a16:creationId xmlns:a16="http://schemas.microsoft.com/office/drawing/2014/main" id="{D2B0BEDD-20D3-40AE-88F8-5CD57F2D7357}"/>
+                <a16:creationId xmlns:a16="http://schemas.microsoft.com/office/drawing/2014/main" id="{F14B8DA5-E1A7-426C-8A14-773053B6A69E}"/>
               </a:ext>
             </a:extLst>
           </p:cNvPr>
@@ -6010,7 +6036,9 @@
         </p:nvSpPr>
         <p:spPr/>
         <p:txBody>
-          <a:bodyPr/>
+          <a:bodyPr>
+            <a:normAutofit fontScale="90000"/>
+          </a:bodyPr>
           <a:lstStyle/>
           <a:p>
             <a:r>
@@ -6026,44 +6054,48 @@
                   </a:outerShdw>
                 </a:effectLst>
               </a:rPr>
-              <a:t>Which genre has the most/least apps?</a:t>
-            </a:r>
-          </a:p>
-        </p:txBody>
-      </p:sp>
-      <p:pic>
-        <p:nvPicPr>
-          <p:cNvPr id="5" name="Content Placeholder 4">
+              <a:t>Are people more likely to leave a negative review on an app they’ve paid for?</a:t>
+            </a:r>
+            <a:br>
+              <a:rPr lang="en-US" dirty="0">
+                <a:solidFill>
+                  <a:srgbClr val="34A853"/>
+                </a:solidFill>
+              </a:rPr>
+            </a:br>
+            <a:endParaRPr lang="en-US" dirty="0"/>
+          </a:p>
+        </p:txBody>
+      </p:sp>
+      <p:sp>
+        <p:nvSpPr>
+          <p:cNvPr id="3" name="Content Placeholder 2">
             <a:extLst>
               <a:ext uri="{FF2B5EF4-FFF2-40B4-BE49-F238E27FC236}">
-                <a16:creationId xmlns:a16="http://schemas.microsoft.com/office/drawing/2014/main" id="{79454E15-DBA1-4C6E-A59B-B5624D5ACF52}"/>
+                <a16:creationId xmlns:a16="http://schemas.microsoft.com/office/drawing/2014/main" id="{7C743D9E-B459-46C3-B155-1B7B1F93A5F5}"/>
               </a:ext>
             </a:extLst>
           </p:cNvPr>
-          <p:cNvPicPr>
-            <a:picLocks noGrp="1" noChangeAspect="1"/>
-          </p:cNvPicPr>
+          <p:cNvSpPr>
+            <a:spLocks noGrp="1"/>
+          </p:cNvSpPr>
           <p:nvPr>
             <p:ph idx="1"/>
           </p:nvPr>
-        </p:nvPicPr>
-        <p:blipFill>
-          <a:blip r:embed="rId2"/>
-          <a:stretch>
-            <a:fillRect/>
-          </a:stretch>
-        </p:blipFill>
-        <p:spPr>
-          <a:xfrm>
-            <a:off x="2197917" y="1359017"/>
-            <a:ext cx="5796072" cy="5266625"/>
-          </a:xfrm>
-        </p:spPr>
-      </p:pic>
+        </p:nvSpPr>
+        <p:spPr/>
+        <p:txBody>
+          <a:bodyPr/>
+          <a:lstStyle/>
+          <a:p>
+            <a:endParaRPr lang="en-US" dirty="0"/>
+          </a:p>
+        </p:txBody>
+      </p:sp>
     </p:spTree>
     <p:extLst>
       <p:ext uri="{BB962C8B-B14F-4D97-AF65-F5344CB8AC3E}">
-        <p14:creationId xmlns:p14="http://schemas.microsoft.com/office/powerpoint/2010/main" val="2965376391"/>
+        <p14:creationId xmlns:p14="http://schemas.microsoft.com/office/powerpoint/2010/main" val="4014354572"/>
       </p:ext>
     </p:extLst>
   </p:cSld>
@@ -6095,7 +6127,7 @@
           <p:cNvPr id="2" name="Title 1">
             <a:extLst>
               <a:ext uri="{FF2B5EF4-FFF2-40B4-BE49-F238E27FC236}">
-                <a16:creationId xmlns:a16="http://schemas.microsoft.com/office/drawing/2014/main" id="{683ABB6E-4DD8-49D0-AE5D-6D75BC6F6B4B}"/>
+                <a16:creationId xmlns:a16="http://schemas.microsoft.com/office/drawing/2014/main" id="{D2B0BEDD-20D3-40AE-88F8-5CD57F2D7357}"/>
               </a:ext>
             </a:extLst>
           </p:cNvPr>
@@ -6124,44 +6156,62 @@
                   </a:outerShdw>
                 </a:effectLst>
               </a:rPr>
-              <a:t>Which genre is the most popular?</a:t>
+              <a:t>Which genre has the most/least apps?</a:t>
             </a:r>
           </a:p>
         </p:txBody>
       </p:sp>
       <p:pic>
         <p:nvPicPr>
-          <p:cNvPr id="5" name="Content Placeholder 4">
+          <p:cNvPr id="2050" name="Picture 2">
             <a:extLst>
               <a:ext uri="{FF2B5EF4-FFF2-40B4-BE49-F238E27FC236}">
-                <a16:creationId xmlns:a16="http://schemas.microsoft.com/office/drawing/2014/main" id="{0662709E-72C6-444A-B3D4-A129F8BE78EE}"/>
+                <a16:creationId xmlns:a16="http://schemas.microsoft.com/office/drawing/2014/main" id="{2F2111D9-D2A7-435E-A097-75442C0D36DC}"/>
               </a:ext>
             </a:extLst>
           </p:cNvPr>
           <p:cNvPicPr>
-            <a:picLocks noGrp="1" noChangeAspect="1"/>
+            <a:picLocks noChangeAspect="1" noChangeArrowheads="1"/>
           </p:cNvPicPr>
-          <p:nvPr>
-            <p:ph idx="1"/>
-          </p:nvPr>
+          <p:nvPr/>
         </p:nvPicPr>
         <p:blipFill>
-          <a:blip r:embed="rId2"/>
+          <a:blip r:embed="rId2">
+            <a:extLst>
+              <a:ext uri="{28A0092B-C50C-407E-A947-70E740481C1C}">
+                <a14:useLocalDpi xmlns:a14="http://schemas.microsoft.com/office/drawing/2010/main" val="0"/>
+              </a:ext>
+            </a:extLst>
+          </a:blip>
+          <a:srcRect/>
           <a:stretch>
             <a:fillRect/>
           </a:stretch>
         </p:blipFill>
-        <p:spPr>
+        <p:spPr bwMode="auto">
           <a:xfrm>
-            <a:off x="2323750" y="1359018"/>
-            <a:ext cx="5592515" cy="5215990"/>
+            <a:off x="2120695" y="1270000"/>
+            <a:ext cx="5940954" cy="5582706"/>
           </a:xfrm>
+          <a:prstGeom prst="rect">
+            <a:avLst/>
+          </a:prstGeom>
+          <a:noFill/>
+          <a:extLst>
+            <a:ext uri="{909E8E84-426E-40DD-AFC4-6F175D3DCCD1}">
+              <a14:hiddenFill xmlns:a14="http://schemas.microsoft.com/office/drawing/2010/main">
+                <a:solidFill>
+                  <a:srgbClr val="FFFFFF"/>
+                </a:solidFill>
+              </a14:hiddenFill>
+            </a:ext>
+          </a:extLst>
         </p:spPr>
       </p:pic>
     </p:spTree>
     <p:extLst>
       <p:ext uri="{BB962C8B-B14F-4D97-AF65-F5344CB8AC3E}">
-        <p14:creationId xmlns:p14="http://schemas.microsoft.com/office/powerpoint/2010/main" val="685247012"/>
+        <p14:creationId xmlns:p14="http://schemas.microsoft.com/office/powerpoint/2010/main" val="2965376391"/>
       </p:ext>
     </p:extLst>
   </p:cSld>
@@ -6193,6 +6243,124 @@
           <p:cNvPr id="2" name="Title 1">
             <a:extLst>
               <a:ext uri="{FF2B5EF4-FFF2-40B4-BE49-F238E27FC236}">
+                <a16:creationId xmlns:a16="http://schemas.microsoft.com/office/drawing/2014/main" id="{683ABB6E-4DD8-49D0-AE5D-6D75BC6F6B4B}"/>
+              </a:ext>
+            </a:extLst>
+          </p:cNvPr>
+          <p:cNvSpPr>
+            <a:spLocks noGrp="1"/>
+          </p:cNvSpPr>
+          <p:nvPr>
+            <p:ph type="title"/>
+          </p:nvPr>
+        </p:nvSpPr>
+        <p:spPr/>
+        <p:txBody>
+          <a:bodyPr/>
+          <a:lstStyle/>
+          <a:p>
+            <a:r>
+              <a:rPr lang="en-US" dirty="0">
+                <a:solidFill>
+                  <a:schemeClr val="accent3"/>
+                </a:solidFill>
+                <a:effectLst>
+                  <a:outerShdw blurRad="38100" dist="38100" dir="2700000" algn="tl">
+                    <a:srgbClr val="000000">
+                      <a:alpha val="43137"/>
+                    </a:srgbClr>
+                  </a:outerShdw>
+                </a:effectLst>
+              </a:rPr>
+              <a:t>Which genre is the most popular?</a:t>
+            </a:r>
+          </a:p>
+        </p:txBody>
+      </p:sp>
+      <p:pic>
+        <p:nvPicPr>
+          <p:cNvPr id="3074" name="Picture 2">
+            <a:extLst>
+              <a:ext uri="{FF2B5EF4-FFF2-40B4-BE49-F238E27FC236}">
+                <a16:creationId xmlns:a16="http://schemas.microsoft.com/office/drawing/2014/main" id="{6678C7FF-3387-4FB1-B213-36DDA50C9B0A}"/>
+              </a:ext>
+            </a:extLst>
+          </p:cNvPr>
+          <p:cNvPicPr>
+            <a:picLocks noGrp="1" noChangeAspect="1" noChangeArrowheads="1"/>
+          </p:cNvPicPr>
+          <p:nvPr>
+            <p:ph idx="1"/>
+          </p:nvPr>
+        </p:nvPicPr>
+        <p:blipFill>
+          <a:blip r:embed="rId2">
+            <a:extLst>
+              <a:ext uri="{28A0092B-C50C-407E-A947-70E740481C1C}">
+                <a14:useLocalDpi xmlns:a14="http://schemas.microsoft.com/office/drawing/2010/main" val="0"/>
+              </a:ext>
+            </a:extLst>
+          </a:blip>
+          <a:srcRect/>
+          <a:stretch>
+            <a:fillRect/>
+          </a:stretch>
+        </p:blipFill>
+        <p:spPr bwMode="auto">
+          <a:xfrm>
+            <a:off x="2360646" y="1269999"/>
+            <a:ext cx="5735422" cy="5514261"/>
+          </a:xfrm>
+          <a:prstGeom prst="rect">
+            <a:avLst/>
+          </a:prstGeom>
+          <a:noFill/>
+          <a:extLst>
+            <a:ext uri="{909E8E84-426E-40DD-AFC4-6F175D3DCCD1}">
+              <a14:hiddenFill xmlns:a14="http://schemas.microsoft.com/office/drawing/2010/main">
+                <a:solidFill>
+                  <a:srgbClr val="FFFFFF"/>
+                </a:solidFill>
+              </a14:hiddenFill>
+            </a:ext>
+          </a:extLst>
+        </p:spPr>
+      </p:pic>
+    </p:spTree>
+    <p:extLst>
+      <p:ext uri="{BB962C8B-B14F-4D97-AF65-F5344CB8AC3E}">
+        <p14:creationId xmlns:p14="http://schemas.microsoft.com/office/powerpoint/2010/main" val="685247012"/>
+      </p:ext>
+    </p:extLst>
+  </p:cSld>
+  <p:clrMapOvr>
+    <a:masterClrMapping/>
+  </p:clrMapOvr>
+</p:sld>
+</file>
+
+<file path=ppt/slides/slide14.xml><?xml version="1.0" encoding="utf-8"?>
+<p:sld xmlns:a="http://schemas.openxmlformats.org/drawingml/2006/main" xmlns:r="http://schemas.openxmlformats.org/officeDocument/2006/relationships" xmlns:p="http://schemas.openxmlformats.org/presentationml/2006/main">
+  <p:cSld>
+    <p:spTree>
+      <p:nvGrpSpPr>
+        <p:cNvPr id="1" name=""/>
+        <p:cNvGrpSpPr/>
+        <p:nvPr/>
+      </p:nvGrpSpPr>
+      <p:grpSpPr>
+        <a:xfrm>
+          <a:off x="0" y="0"/>
+          <a:ext cx="0" cy="0"/>
+          <a:chOff x="0" y="0"/>
+          <a:chExt cx="0" cy="0"/>
+        </a:xfrm>
+      </p:grpSpPr>
+      <p:sp>
+        <p:nvSpPr>
+          <p:cNvPr id="2" name="Title 1">
+            <a:extLst>
+              <a:ext uri="{FF2B5EF4-FFF2-40B4-BE49-F238E27FC236}">
                 <a16:creationId xmlns:a16="http://schemas.microsoft.com/office/drawing/2014/main" id="{45A29A50-FE64-4C6D-85E5-DBCE106FAA1B}"/>
               </a:ext>
             </a:extLst>
@@ -6231,10 +6399,209 @@
       </p:sp>
       <p:pic>
         <p:nvPicPr>
+          <p:cNvPr id="4098" name="Picture 2">
+            <a:extLst>
+              <a:ext uri="{FF2B5EF4-FFF2-40B4-BE49-F238E27FC236}">
+                <a16:creationId xmlns:a16="http://schemas.microsoft.com/office/drawing/2014/main" id="{854FB34E-E040-4397-932B-5FEFF62BE16D}"/>
+              </a:ext>
+            </a:extLst>
+          </p:cNvPr>
+          <p:cNvPicPr>
+            <a:picLocks noGrp="1" noChangeAspect="1" noChangeArrowheads="1"/>
+          </p:cNvPicPr>
+          <p:nvPr>
+            <p:ph idx="1"/>
+          </p:nvPr>
+        </p:nvPicPr>
+        <p:blipFill>
+          <a:blip r:embed="rId2">
+            <a:extLst>
+              <a:ext uri="{28A0092B-C50C-407E-A947-70E740481C1C}">
+                <a14:useLocalDpi xmlns:a14="http://schemas.microsoft.com/office/drawing/2010/main" val="0"/>
+              </a:ext>
+            </a:extLst>
+          </a:blip>
+          <a:srcRect/>
+          <a:stretch>
+            <a:fillRect/>
+          </a:stretch>
+        </p:blipFill>
+        <p:spPr bwMode="auto">
+          <a:xfrm>
+            <a:off x="2556588" y="1594498"/>
+            <a:ext cx="5565693" cy="5269796"/>
+          </a:xfrm>
+          <a:prstGeom prst="rect">
+            <a:avLst/>
+          </a:prstGeom>
+          <a:noFill/>
+          <a:extLst>
+            <a:ext uri="{909E8E84-426E-40DD-AFC4-6F175D3DCCD1}">
+              <a14:hiddenFill xmlns:a14="http://schemas.microsoft.com/office/drawing/2010/main">
+                <a:solidFill>
+                  <a:srgbClr val="FFFFFF"/>
+                </a:solidFill>
+              </a14:hiddenFill>
+            </a:ext>
+          </a:extLst>
+        </p:spPr>
+      </p:pic>
+    </p:spTree>
+    <p:extLst>
+      <p:ext uri="{BB962C8B-B14F-4D97-AF65-F5344CB8AC3E}">
+        <p14:creationId xmlns:p14="http://schemas.microsoft.com/office/powerpoint/2010/main" val="538545070"/>
+      </p:ext>
+    </p:extLst>
+  </p:cSld>
+  <p:clrMapOvr>
+    <a:masterClrMapping/>
+  </p:clrMapOvr>
+</p:sld>
+</file>
+
+<file path=ppt/slides/slide15.xml><?xml version="1.0" encoding="utf-8"?>
+<p:sld xmlns:a="http://schemas.openxmlformats.org/drawingml/2006/main" xmlns:r="http://schemas.openxmlformats.org/officeDocument/2006/relationships" xmlns:p="http://schemas.openxmlformats.org/presentationml/2006/main">
+  <p:cSld>
+    <p:spTree>
+      <p:nvGrpSpPr>
+        <p:cNvPr id="1" name=""/>
+        <p:cNvGrpSpPr/>
+        <p:nvPr/>
+      </p:nvGrpSpPr>
+      <p:grpSpPr>
+        <a:xfrm>
+          <a:off x="0" y="0"/>
+          <a:ext cx="0" cy="0"/>
+          <a:chOff x="0" y="0"/>
+          <a:chExt cx="0" cy="0"/>
+        </a:xfrm>
+      </p:grpSpPr>
+      <p:sp>
+        <p:nvSpPr>
+          <p:cNvPr id="2" name="Title 1">
+            <a:extLst>
+              <a:ext uri="{FF2B5EF4-FFF2-40B4-BE49-F238E27FC236}">
+                <a16:creationId xmlns:a16="http://schemas.microsoft.com/office/drawing/2014/main" id="{3BCF199B-8AF1-4080-A662-147F84A6FB1B}"/>
+              </a:ext>
+            </a:extLst>
+          </p:cNvPr>
+          <p:cNvSpPr>
+            <a:spLocks noGrp="1"/>
+          </p:cNvSpPr>
+          <p:nvPr>
+            <p:ph type="title"/>
+          </p:nvPr>
+        </p:nvSpPr>
+        <p:spPr>
+          <a:xfrm>
+            <a:off x="0" y="1787554"/>
+            <a:ext cx="10446468" cy="3282892"/>
+          </a:xfrm>
+        </p:spPr>
+        <p:txBody>
+          <a:bodyPr>
+            <a:noAutofit/>
+          </a:bodyPr>
+          <a:lstStyle/>
+          <a:p>
+            <a:pPr algn="ctr"/>
+            <a:r>
+              <a:rPr lang="en-US" sz="9600" dirty="0">
+                <a:solidFill>
+                  <a:schemeClr val="accent3"/>
+                </a:solidFill>
+                <a:effectLst>
+                  <a:outerShdw blurRad="38100" dist="38100" dir="2700000" algn="tl">
+                    <a:srgbClr val="000000">
+                      <a:alpha val="43137"/>
+                    </a:srgbClr>
+                  </a:outerShdw>
+                </a:effectLst>
+              </a:rPr>
+              <a:t>Answering Our Questions (Cont.)</a:t>
+            </a:r>
+            <a:br>
+              <a:rPr lang="en-US" sz="9600" dirty="0"/>
+            </a:br>
+            <a:endParaRPr lang="en-US" sz="9600" dirty="0"/>
+          </a:p>
+        </p:txBody>
+      </p:sp>
+    </p:spTree>
+    <p:extLst>
+      <p:ext uri="{BB962C8B-B14F-4D97-AF65-F5344CB8AC3E}">
+        <p14:creationId xmlns:p14="http://schemas.microsoft.com/office/powerpoint/2010/main" val="1424560942"/>
+      </p:ext>
+    </p:extLst>
+  </p:cSld>
+  <p:clrMapOvr>
+    <a:masterClrMapping/>
+  </p:clrMapOvr>
+</p:sld>
+</file>
+
+<file path=ppt/slides/slide16.xml><?xml version="1.0" encoding="utf-8"?>
+<p:sld xmlns:a="http://schemas.openxmlformats.org/drawingml/2006/main" xmlns:r="http://schemas.openxmlformats.org/officeDocument/2006/relationships" xmlns:p="http://schemas.openxmlformats.org/presentationml/2006/main">
+  <p:cSld>
+    <p:spTree>
+      <p:nvGrpSpPr>
+        <p:cNvPr id="1" name=""/>
+        <p:cNvGrpSpPr/>
+        <p:nvPr/>
+      </p:nvGrpSpPr>
+      <p:grpSpPr>
+        <a:xfrm>
+          <a:off x="0" y="0"/>
+          <a:ext cx="0" cy="0"/>
+          <a:chOff x="0" y="0"/>
+          <a:chExt cx="0" cy="0"/>
+        </a:xfrm>
+      </p:grpSpPr>
+      <p:sp>
+        <p:nvSpPr>
+          <p:cNvPr id="2" name="Title 1">
+            <a:extLst>
+              <a:ext uri="{FF2B5EF4-FFF2-40B4-BE49-F238E27FC236}">
+                <a16:creationId xmlns:a16="http://schemas.microsoft.com/office/drawing/2014/main" id="{B2052680-6E3D-4BA0-AEE1-9C1D1B41BDB9}"/>
+              </a:ext>
+            </a:extLst>
+          </p:cNvPr>
+          <p:cNvSpPr>
+            <a:spLocks noGrp="1"/>
+          </p:cNvSpPr>
+          <p:nvPr>
+            <p:ph type="title"/>
+          </p:nvPr>
+        </p:nvSpPr>
+        <p:spPr/>
+        <p:txBody>
+          <a:bodyPr/>
+          <a:lstStyle/>
+          <a:p>
+            <a:r>
+              <a:rPr lang="en-US" dirty="0">
+                <a:solidFill>
+                  <a:schemeClr val="accent3"/>
+                </a:solidFill>
+                <a:effectLst>
+                  <a:outerShdw blurRad="38100" dist="38100" dir="2700000" algn="tl">
+                    <a:srgbClr val="000000">
+                      <a:alpha val="43137"/>
+                    </a:srgbClr>
+                  </a:outerShdw>
+                </a:effectLst>
+              </a:rPr>
+              <a:t>What is the most common rating score?</a:t>
+            </a:r>
+          </a:p>
+        </p:txBody>
+      </p:sp>
+      <p:pic>
+        <p:nvPicPr>
           <p:cNvPr id="5" name="Content Placeholder 4">
             <a:extLst>
               <a:ext uri="{FF2B5EF4-FFF2-40B4-BE49-F238E27FC236}">
-                <a16:creationId xmlns:a16="http://schemas.microsoft.com/office/drawing/2014/main" id="{FD972F18-A75D-454F-B1EC-7C25539D01CF}"/>
+                <a16:creationId xmlns:a16="http://schemas.microsoft.com/office/drawing/2014/main" id="{2B34D663-F95B-4ECF-A126-E9F2A466A4D6}"/>
               </a:ext>
             </a:extLst>
           </p:cNvPr>
@@ -6253,15 +6620,409 @@
         </p:blipFill>
         <p:spPr>
           <a:xfrm>
-            <a:off x="2004970" y="1716302"/>
-            <a:ext cx="5654180" cy="5025939"/>
+            <a:off x="1325461" y="1560351"/>
+            <a:ext cx="6971251" cy="4647500"/>
           </a:xfrm>
         </p:spPr>
       </p:pic>
     </p:spTree>
     <p:extLst>
       <p:ext uri="{BB962C8B-B14F-4D97-AF65-F5344CB8AC3E}">
-        <p14:creationId xmlns:p14="http://schemas.microsoft.com/office/powerpoint/2010/main" val="538545070"/>
+        <p14:creationId xmlns:p14="http://schemas.microsoft.com/office/powerpoint/2010/main" val="2120532992"/>
+      </p:ext>
+    </p:extLst>
+  </p:cSld>
+  <p:clrMapOvr>
+    <a:masterClrMapping/>
+  </p:clrMapOvr>
+</p:sld>
+</file>
+
+<file path=ppt/slides/slide17.xml><?xml version="1.0" encoding="utf-8"?>
+<p:sld xmlns:a="http://schemas.openxmlformats.org/drawingml/2006/main" xmlns:r="http://schemas.openxmlformats.org/officeDocument/2006/relationships" xmlns:p="http://schemas.openxmlformats.org/presentationml/2006/main">
+  <p:cSld>
+    <p:spTree>
+      <p:nvGrpSpPr>
+        <p:cNvPr id="1" name=""/>
+        <p:cNvGrpSpPr/>
+        <p:nvPr/>
+      </p:nvGrpSpPr>
+      <p:grpSpPr>
+        <a:xfrm>
+          <a:off x="0" y="0"/>
+          <a:ext cx="0" cy="0"/>
+          <a:chOff x="0" y="0"/>
+          <a:chExt cx="0" cy="0"/>
+        </a:xfrm>
+      </p:grpSpPr>
+      <p:sp>
+        <p:nvSpPr>
+          <p:cNvPr id="2" name="Title 1">
+            <a:extLst>
+              <a:ext uri="{FF2B5EF4-FFF2-40B4-BE49-F238E27FC236}">
+                <a16:creationId xmlns:a16="http://schemas.microsoft.com/office/drawing/2014/main" id="{1F2A7632-297E-4420-BD8B-5C31BF6013CF}"/>
+              </a:ext>
+            </a:extLst>
+          </p:cNvPr>
+          <p:cNvSpPr>
+            <a:spLocks noGrp="1"/>
+          </p:cNvSpPr>
+          <p:nvPr>
+            <p:ph type="title"/>
+          </p:nvPr>
+        </p:nvSpPr>
+        <p:spPr/>
+        <p:txBody>
+          <a:bodyPr>
+            <a:normAutofit fontScale="90000"/>
+          </a:bodyPr>
+          <a:lstStyle/>
+          <a:p>
+            <a:r>
+              <a:rPr lang="en-US" dirty="0">
+                <a:solidFill>
+                  <a:schemeClr val="accent3"/>
+                </a:solidFill>
+                <a:effectLst>
+                  <a:outerShdw blurRad="38100" dist="38100" dir="2700000" algn="tl">
+                    <a:srgbClr val="000000">
+                      <a:alpha val="43137"/>
+                    </a:srgbClr>
+                  </a:outerShdw>
+                </a:effectLst>
+              </a:rPr>
+              <a:t>How many installs did each category get on average per app?</a:t>
+            </a:r>
+            <a:br>
+              <a:rPr lang="en-US" dirty="0">
+                <a:solidFill>
+                  <a:srgbClr val="34A853"/>
+                </a:solidFill>
+              </a:rPr>
+            </a:br>
+            <a:br>
+              <a:rPr lang="en-US" dirty="0">
+                <a:solidFill>
+                  <a:srgbClr val="34A853"/>
+                </a:solidFill>
+              </a:rPr>
+            </a:br>
+            <a:endParaRPr lang="en-US" dirty="0"/>
+          </a:p>
+        </p:txBody>
+      </p:sp>
+      <p:pic>
+        <p:nvPicPr>
+          <p:cNvPr id="1028" name="Picture 4">
+            <a:extLst>
+              <a:ext uri="{FF2B5EF4-FFF2-40B4-BE49-F238E27FC236}">
+                <a16:creationId xmlns:a16="http://schemas.microsoft.com/office/drawing/2014/main" id="{8E262432-264C-496C-82B0-CD35F003DCEF}"/>
+              </a:ext>
+            </a:extLst>
+          </p:cNvPr>
+          <p:cNvPicPr>
+            <a:picLocks noChangeAspect="1" noChangeArrowheads="1"/>
+          </p:cNvPicPr>
+          <p:nvPr/>
+        </p:nvPicPr>
+        <p:blipFill>
+          <a:blip r:embed="rId2">
+            <a:extLst>
+              <a:ext uri="{28A0092B-C50C-407E-A947-70E740481C1C}">
+                <a14:useLocalDpi xmlns:a14="http://schemas.microsoft.com/office/drawing/2010/main" val="0"/>
+              </a:ext>
+            </a:extLst>
+          </a:blip>
+          <a:srcRect/>
+          <a:stretch>
+            <a:fillRect/>
+          </a:stretch>
+        </p:blipFill>
+        <p:spPr bwMode="auto">
+          <a:xfrm>
+            <a:off x="1947926" y="1726163"/>
+            <a:ext cx="6055483" cy="4951445"/>
+          </a:xfrm>
+          <a:prstGeom prst="rect">
+            <a:avLst/>
+          </a:prstGeom>
+          <a:noFill/>
+          <a:extLst>
+            <a:ext uri="{909E8E84-426E-40DD-AFC4-6F175D3DCCD1}">
+              <a14:hiddenFill xmlns:a14="http://schemas.microsoft.com/office/drawing/2010/main">
+                <a:solidFill>
+                  <a:srgbClr val="FFFFFF"/>
+                </a:solidFill>
+              </a14:hiddenFill>
+            </a:ext>
+          </a:extLst>
+        </p:spPr>
+      </p:pic>
+    </p:spTree>
+    <p:extLst>
+      <p:ext uri="{BB962C8B-B14F-4D97-AF65-F5344CB8AC3E}">
+        <p14:creationId xmlns:p14="http://schemas.microsoft.com/office/powerpoint/2010/main" val="4146968924"/>
+      </p:ext>
+    </p:extLst>
+  </p:cSld>
+  <p:clrMapOvr>
+    <a:masterClrMapping/>
+  </p:clrMapOvr>
+</p:sld>
+</file>
+
+<file path=ppt/slides/slide18.xml><?xml version="1.0" encoding="utf-8"?>
+<p:sld xmlns:a="http://schemas.openxmlformats.org/drawingml/2006/main" xmlns:r="http://schemas.openxmlformats.org/officeDocument/2006/relationships" xmlns:p="http://schemas.openxmlformats.org/presentationml/2006/main">
+  <p:cSld>
+    <p:spTree>
+      <p:nvGrpSpPr>
+        <p:cNvPr id="1" name=""/>
+        <p:cNvGrpSpPr/>
+        <p:nvPr/>
+      </p:nvGrpSpPr>
+      <p:grpSpPr>
+        <a:xfrm>
+          <a:off x="0" y="0"/>
+          <a:ext cx="0" cy="0"/>
+          <a:chOff x="0" y="0"/>
+          <a:chExt cx="0" cy="0"/>
+        </a:xfrm>
+      </p:grpSpPr>
+      <p:sp>
+        <p:nvSpPr>
+          <p:cNvPr id="2" name="Title 1">
+            <a:extLst>
+              <a:ext uri="{FF2B5EF4-FFF2-40B4-BE49-F238E27FC236}">
+                <a16:creationId xmlns:a16="http://schemas.microsoft.com/office/drawing/2014/main" id="{0006E4B1-712D-447A-95CA-892E444C4993}"/>
+              </a:ext>
+            </a:extLst>
+          </p:cNvPr>
+          <p:cNvSpPr>
+            <a:spLocks noGrp="1"/>
+          </p:cNvSpPr>
+          <p:nvPr>
+            <p:ph type="title"/>
+          </p:nvPr>
+        </p:nvSpPr>
+        <p:spPr/>
+        <p:txBody>
+          <a:bodyPr>
+            <a:normAutofit fontScale="90000"/>
+          </a:bodyPr>
+          <a:lstStyle/>
+          <a:p>
+            <a:r>
+              <a:rPr lang="en-US" dirty="0">
+                <a:solidFill>
+                  <a:schemeClr val="accent3"/>
+                </a:solidFill>
+                <a:effectLst>
+                  <a:outerShdw blurRad="38100" dist="38100" dir="2700000" algn="tl">
+                    <a:srgbClr val="000000">
+                      <a:alpha val="43137"/>
+                    </a:srgbClr>
+                  </a:outerShdw>
+                </a:effectLst>
+              </a:rPr>
+              <a:t>What is the average kilobyte size per app in each category?</a:t>
+            </a:r>
+            <a:br>
+              <a:rPr lang="en-US" dirty="0">
+                <a:solidFill>
+                  <a:srgbClr val="34A853"/>
+                </a:solidFill>
+              </a:rPr>
+            </a:br>
+            <a:br>
+              <a:rPr lang="en-US" dirty="0">
+                <a:solidFill>
+                  <a:srgbClr val="34A853"/>
+                </a:solidFill>
+              </a:rPr>
+            </a:br>
+            <a:endParaRPr lang="en-US" dirty="0"/>
+          </a:p>
+        </p:txBody>
+      </p:sp>
+      <p:pic>
+        <p:nvPicPr>
+          <p:cNvPr id="5122" name="Picture 2">
+            <a:extLst>
+              <a:ext uri="{FF2B5EF4-FFF2-40B4-BE49-F238E27FC236}">
+                <a16:creationId xmlns:a16="http://schemas.microsoft.com/office/drawing/2014/main" id="{36A86669-A71F-499F-BC6F-BAA861878640}"/>
+              </a:ext>
+            </a:extLst>
+          </p:cNvPr>
+          <p:cNvPicPr>
+            <a:picLocks noGrp="1" noChangeAspect="1" noChangeArrowheads="1"/>
+          </p:cNvPicPr>
+          <p:nvPr>
+            <p:ph idx="1"/>
+          </p:nvPr>
+        </p:nvPicPr>
+        <p:blipFill>
+          <a:blip r:embed="rId2">
+            <a:extLst>
+              <a:ext uri="{28A0092B-C50C-407E-A947-70E740481C1C}">
+                <a14:useLocalDpi xmlns:a14="http://schemas.microsoft.com/office/drawing/2010/main" val="0"/>
+              </a:ext>
+            </a:extLst>
+          </a:blip>
+          <a:srcRect/>
+          <a:stretch>
+            <a:fillRect/>
+          </a:stretch>
+        </p:blipFill>
+        <p:spPr bwMode="auto">
+          <a:xfrm>
+            <a:off x="1726164" y="1498114"/>
+            <a:ext cx="6505825" cy="5204661"/>
+          </a:xfrm>
+          <a:prstGeom prst="rect">
+            <a:avLst/>
+          </a:prstGeom>
+          <a:noFill/>
+          <a:extLst>
+            <a:ext uri="{909E8E84-426E-40DD-AFC4-6F175D3DCCD1}">
+              <a14:hiddenFill xmlns:a14="http://schemas.microsoft.com/office/drawing/2010/main">
+                <a:solidFill>
+                  <a:srgbClr val="FFFFFF"/>
+                </a:solidFill>
+              </a14:hiddenFill>
+            </a:ext>
+          </a:extLst>
+        </p:spPr>
+      </p:pic>
+    </p:spTree>
+    <p:extLst>
+      <p:ext uri="{BB962C8B-B14F-4D97-AF65-F5344CB8AC3E}">
+        <p14:creationId xmlns:p14="http://schemas.microsoft.com/office/powerpoint/2010/main" val="3293218400"/>
+      </p:ext>
+    </p:extLst>
+  </p:cSld>
+  <p:clrMapOvr>
+    <a:masterClrMapping/>
+  </p:clrMapOvr>
+</p:sld>
+</file>
+
+<file path=ppt/slides/slide19.xml><?xml version="1.0" encoding="utf-8"?>
+<p:sld xmlns:a="http://schemas.openxmlformats.org/drawingml/2006/main" xmlns:r="http://schemas.openxmlformats.org/officeDocument/2006/relationships" xmlns:p="http://schemas.openxmlformats.org/presentationml/2006/main">
+  <p:cSld>
+    <p:spTree>
+      <p:nvGrpSpPr>
+        <p:cNvPr id="1" name=""/>
+        <p:cNvGrpSpPr/>
+        <p:nvPr/>
+      </p:nvGrpSpPr>
+      <p:grpSpPr>
+        <a:xfrm>
+          <a:off x="0" y="0"/>
+          <a:ext cx="0" cy="0"/>
+          <a:chOff x="0" y="0"/>
+          <a:chExt cx="0" cy="0"/>
+        </a:xfrm>
+      </p:grpSpPr>
+      <p:sp>
+        <p:nvSpPr>
+          <p:cNvPr id="2" name="Title 1">
+            <a:extLst>
+              <a:ext uri="{FF2B5EF4-FFF2-40B4-BE49-F238E27FC236}">
+                <a16:creationId xmlns:a16="http://schemas.microsoft.com/office/drawing/2014/main" id="{BE69B2CE-F5F6-4B6D-8C96-E61978CB3CBF}"/>
+              </a:ext>
+            </a:extLst>
+          </p:cNvPr>
+          <p:cNvSpPr>
+            <a:spLocks noGrp="1"/>
+          </p:cNvSpPr>
+          <p:nvPr>
+            <p:ph type="title"/>
+          </p:nvPr>
+        </p:nvSpPr>
+        <p:spPr/>
+        <p:txBody>
+          <a:bodyPr>
+            <a:normAutofit fontScale="90000"/>
+          </a:bodyPr>
+          <a:lstStyle/>
+          <a:p>
+            <a:r>
+              <a:rPr lang="en-US" dirty="0">
+                <a:solidFill>
+                  <a:schemeClr val="accent3"/>
+                </a:solidFill>
+                <a:effectLst>
+                  <a:outerShdw blurRad="38100" dist="38100" dir="2700000" algn="tl">
+                    <a:srgbClr val="000000">
+                      <a:alpha val="43137"/>
+                    </a:srgbClr>
+                  </a:outerShdw>
+                </a:effectLst>
+              </a:rPr>
+              <a:t>In each category, what is the average rating per app?</a:t>
+            </a:r>
+            <a:br>
+              <a:rPr lang="en-US" dirty="0">
+                <a:solidFill>
+                  <a:srgbClr val="34A853"/>
+                </a:solidFill>
+              </a:rPr>
+            </a:br>
+            <a:endParaRPr lang="en-US" dirty="0"/>
+          </a:p>
+        </p:txBody>
+      </p:sp>
+      <p:pic>
+        <p:nvPicPr>
+          <p:cNvPr id="6146" name="Picture 2">
+            <a:extLst>
+              <a:ext uri="{FF2B5EF4-FFF2-40B4-BE49-F238E27FC236}">
+                <a16:creationId xmlns:a16="http://schemas.microsoft.com/office/drawing/2014/main" id="{9754D665-A216-4AB1-A96A-9E15447FEC35}"/>
+              </a:ext>
+            </a:extLst>
+          </p:cNvPr>
+          <p:cNvPicPr>
+            <a:picLocks noChangeAspect="1" noChangeArrowheads="1"/>
+          </p:cNvPicPr>
+          <p:nvPr/>
+        </p:nvPicPr>
+        <p:blipFill>
+          <a:blip r:embed="rId2">
+            <a:extLst>
+              <a:ext uri="{28A0092B-C50C-407E-A947-70E740481C1C}">
+                <a14:useLocalDpi xmlns:a14="http://schemas.microsoft.com/office/drawing/2010/main" val="0"/>
+              </a:ext>
+            </a:extLst>
+          </a:blip>
+          <a:srcRect/>
+          <a:stretch>
+            <a:fillRect/>
+          </a:stretch>
+        </p:blipFill>
+        <p:spPr bwMode="auto">
+          <a:xfrm>
+            <a:off x="1778466" y="1715156"/>
+            <a:ext cx="6046750" cy="4944304"/>
+          </a:xfrm>
+          <a:prstGeom prst="rect">
+            <a:avLst/>
+          </a:prstGeom>
+          <a:noFill/>
+          <a:extLst>
+            <a:ext uri="{909E8E84-426E-40DD-AFC4-6F175D3DCCD1}">
+              <a14:hiddenFill xmlns:a14="http://schemas.microsoft.com/office/drawing/2010/main">
+                <a:solidFill>
+                  <a:srgbClr val="FFFFFF"/>
+                </a:solidFill>
+              </a14:hiddenFill>
+            </a:ext>
+          </a:extLst>
+        </p:spPr>
+      </p:pic>
+    </p:spTree>
+    <p:extLst>
+      <p:ext uri="{BB962C8B-B14F-4D97-AF65-F5344CB8AC3E}">
+        <p14:creationId xmlns:p14="http://schemas.microsoft.com/office/powerpoint/2010/main" val="3834817"/>
       </p:ext>
     </p:extLst>
   </p:cSld>
@@ -6484,6 +7245,579 @@
 </p:sld>
 </file>
 
+<file path=ppt/slides/slide20.xml><?xml version="1.0" encoding="utf-8"?>
+<p:sld xmlns:a="http://schemas.openxmlformats.org/drawingml/2006/main" xmlns:r="http://schemas.openxmlformats.org/officeDocument/2006/relationships" xmlns:p="http://schemas.openxmlformats.org/presentationml/2006/main">
+  <p:cSld>
+    <p:spTree>
+      <p:nvGrpSpPr>
+        <p:cNvPr id="1" name=""/>
+        <p:cNvGrpSpPr/>
+        <p:nvPr/>
+      </p:nvGrpSpPr>
+      <p:grpSpPr>
+        <a:xfrm>
+          <a:off x="0" y="0"/>
+          <a:ext cx="0" cy="0"/>
+          <a:chOff x="0" y="0"/>
+          <a:chExt cx="0" cy="0"/>
+        </a:xfrm>
+      </p:grpSpPr>
+      <p:sp>
+        <p:nvSpPr>
+          <p:cNvPr id="2" name="Title 1">
+            <a:extLst>
+              <a:ext uri="{FF2B5EF4-FFF2-40B4-BE49-F238E27FC236}">
+                <a16:creationId xmlns:a16="http://schemas.microsoft.com/office/drawing/2014/main" id="{5FCD6D94-6415-49A6-B864-FDB129A55461}"/>
+              </a:ext>
+            </a:extLst>
+          </p:cNvPr>
+          <p:cNvSpPr>
+            <a:spLocks noGrp="1"/>
+          </p:cNvSpPr>
+          <p:nvPr>
+            <p:ph type="title"/>
+          </p:nvPr>
+        </p:nvSpPr>
+        <p:spPr/>
+        <p:txBody>
+          <a:bodyPr>
+            <a:normAutofit fontScale="90000"/>
+          </a:bodyPr>
+          <a:lstStyle/>
+          <a:p>
+            <a:r>
+              <a:rPr lang="en-US" dirty="0">
+                <a:solidFill>
+                  <a:schemeClr val="accent3"/>
+                </a:solidFill>
+                <a:effectLst>
+                  <a:outerShdw blurRad="38100" dist="38100" dir="2700000" algn="tl">
+                    <a:srgbClr val="000000">
+                      <a:alpha val="43137"/>
+                    </a:srgbClr>
+                  </a:outerShdw>
+                </a:effectLst>
+              </a:rPr>
+              <a:t>How many reviews did each category receive on average per app?</a:t>
+            </a:r>
+            <a:br>
+              <a:rPr lang="en-US" dirty="0">
+                <a:solidFill>
+                  <a:schemeClr val="accent3"/>
+                </a:solidFill>
+                <a:effectLst>
+                  <a:outerShdw blurRad="38100" dist="38100" dir="2700000" algn="tl">
+                    <a:srgbClr val="000000">
+                      <a:alpha val="43137"/>
+                    </a:srgbClr>
+                  </a:outerShdw>
+                </a:effectLst>
+              </a:rPr>
+            </a:br>
+            <a:endParaRPr lang="en-US" dirty="0">
+              <a:solidFill>
+                <a:schemeClr val="accent3"/>
+              </a:solidFill>
+              <a:effectLst>
+                <a:outerShdw blurRad="38100" dist="38100" dir="2700000" algn="tl">
+                  <a:srgbClr val="000000">
+                    <a:alpha val="43137"/>
+                  </a:srgbClr>
+                </a:outerShdw>
+              </a:effectLst>
+            </a:endParaRPr>
+          </a:p>
+        </p:txBody>
+      </p:sp>
+      <p:pic>
+        <p:nvPicPr>
+          <p:cNvPr id="7170" name="Picture 2">
+            <a:extLst>
+              <a:ext uri="{FF2B5EF4-FFF2-40B4-BE49-F238E27FC236}">
+                <a16:creationId xmlns:a16="http://schemas.microsoft.com/office/drawing/2014/main" id="{452A7D19-968C-47F6-9E09-52C57D0DD720}"/>
+              </a:ext>
+            </a:extLst>
+          </p:cNvPr>
+          <p:cNvPicPr>
+            <a:picLocks noGrp="1" noChangeAspect="1" noChangeArrowheads="1"/>
+          </p:cNvPicPr>
+          <p:nvPr>
+            <p:ph idx="1"/>
+          </p:nvPr>
+        </p:nvPicPr>
+        <p:blipFill>
+          <a:blip r:embed="rId2">
+            <a:extLst>
+              <a:ext uri="{28A0092B-C50C-407E-A947-70E740481C1C}">
+                <a14:useLocalDpi xmlns:a14="http://schemas.microsoft.com/office/drawing/2010/main" val="0"/>
+              </a:ext>
+            </a:extLst>
+          </a:blip>
+          <a:srcRect/>
+          <a:stretch>
+            <a:fillRect/>
+          </a:stretch>
+        </p:blipFill>
+        <p:spPr bwMode="auto">
+          <a:xfrm>
+            <a:off x="1652631" y="1702179"/>
+            <a:ext cx="6333176" cy="5025792"/>
+          </a:xfrm>
+          <a:prstGeom prst="rect">
+            <a:avLst/>
+          </a:prstGeom>
+          <a:noFill/>
+          <a:extLst>
+            <a:ext uri="{909E8E84-426E-40DD-AFC4-6F175D3DCCD1}">
+              <a14:hiddenFill xmlns:a14="http://schemas.microsoft.com/office/drawing/2010/main">
+                <a:solidFill>
+                  <a:srgbClr val="FFFFFF"/>
+                </a:solidFill>
+              </a14:hiddenFill>
+            </a:ext>
+          </a:extLst>
+        </p:spPr>
+      </p:pic>
+    </p:spTree>
+    <p:extLst>
+      <p:ext uri="{BB962C8B-B14F-4D97-AF65-F5344CB8AC3E}">
+        <p14:creationId xmlns:p14="http://schemas.microsoft.com/office/powerpoint/2010/main" val="2410968694"/>
+      </p:ext>
+    </p:extLst>
+  </p:cSld>
+  <p:clrMapOvr>
+    <a:masterClrMapping/>
+  </p:clrMapOvr>
+</p:sld>
+</file>
+
+<file path=ppt/slides/slide21.xml><?xml version="1.0" encoding="utf-8"?>
+<p:sld xmlns:a="http://schemas.openxmlformats.org/drawingml/2006/main" xmlns:r="http://schemas.openxmlformats.org/officeDocument/2006/relationships" xmlns:p="http://schemas.openxmlformats.org/presentationml/2006/main">
+  <p:cSld>
+    <p:spTree>
+      <p:nvGrpSpPr>
+        <p:cNvPr id="1" name=""/>
+        <p:cNvGrpSpPr/>
+        <p:nvPr/>
+      </p:nvGrpSpPr>
+      <p:grpSpPr>
+        <a:xfrm>
+          <a:off x="0" y="0"/>
+          <a:ext cx="0" cy="0"/>
+          <a:chOff x="0" y="0"/>
+          <a:chExt cx="0" cy="0"/>
+        </a:xfrm>
+      </p:grpSpPr>
+      <p:sp>
+        <p:nvSpPr>
+          <p:cNvPr id="2" name="Title 1">
+            <a:extLst>
+              <a:ext uri="{FF2B5EF4-FFF2-40B4-BE49-F238E27FC236}">
+                <a16:creationId xmlns:a16="http://schemas.microsoft.com/office/drawing/2014/main" id="{3BCF199B-8AF1-4080-A662-147F84A6FB1B}"/>
+              </a:ext>
+            </a:extLst>
+          </p:cNvPr>
+          <p:cNvSpPr>
+            <a:spLocks noGrp="1"/>
+          </p:cNvSpPr>
+          <p:nvPr>
+            <p:ph type="title"/>
+          </p:nvPr>
+        </p:nvSpPr>
+        <p:spPr>
+          <a:xfrm>
+            <a:off x="0" y="1787554"/>
+            <a:ext cx="10446468" cy="3282892"/>
+          </a:xfrm>
+        </p:spPr>
+        <p:txBody>
+          <a:bodyPr>
+            <a:noAutofit/>
+          </a:bodyPr>
+          <a:lstStyle/>
+          <a:p>
+            <a:pPr algn="ctr"/>
+            <a:r>
+              <a:rPr lang="en-US" sz="9600" dirty="0">
+                <a:solidFill>
+                  <a:schemeClr val="accent3"/>
+                </a:solidFill>
+                <a:effectLst>
+                  <a:outerShdw blurRad="38100" dist="38100" dir="2700000" algn="tl">
+                    <a:srgbClr val="000000">
+                      <a:alpha val="43137"/>
+                    </a:srgbClr>
+                  </a:outerShdw>
+                </a:effectLst>
+              </a:rPr>
+              <a:t>Our</a:t>
+            </a:r>
+            <a:br>
+              <a:rPr lang="en-US" sz="9600" dirty="0">
+                <a:solidFill>
+                  <a:schemeClr val="accent3"/>
+                </a:solidFill>
+                <a:effectLst>
+                  <a:outerShdw blurRad="38100" dist="38100" dir="2700000" algn="tl">
+                    <a:srgbClr val="000000">
+                      <a:alpha val="43137"/>
+                    </a:srgbClr>
+                  </a:outerShdw>
+                </a:effectLst>
+              </a:rPr>
+            </a:br>
+            <a:r>
+              <a:rPr lang="en-US" sz="9600" dirty="0">
+                <a:solidFill>
+                  <a:schemeClr val="accent3"/>
+                </a:solidFill>
+                <a:effectLst>
+                  <a:outerShdw blurRad="38100" dist="38100" dir="2700000" algn="tl">
+                    <a:srgbClr val="000000">
+                      <a:alpha val="43137"/>
+                    </a:srgbClr>
+                  </a:outerShdw>
+                </a:effectLst>
+              </a:rPr>
+              <a:t>Conclusions</a:t>
+            </a:r>
+            <a:endParaRPr lang="en-US" sz="9600" dirty="0"/>
+          </a:p>
+        </p:txBody>
+      </p:sp>
+    </p:spTree>
+    <p:extLst>
+      <p:ext uri="{BB962C8B-B14F-4D97-AF65-F5344CB8AC3E}">
+        <p14:creationId xmlns:p14="http://schemas.microsoft.com/office/powerpoint/2010/main" val="1601138156"/>
+      </p:ext>
+    </p:extLst>
+  </p:cSld>
+  <p:clrMapOvr>
+    <a:masterClrMapping/>
+  </p:clrMapOvr>
+</p:sld>
+</file>
+
+<file path=ppt/slides/slide22.xml><?xml version="1.0" encoding="utf-8"?>
+<p:sld xmlns:a="http://schemas.openxmlformats.org/drawingml/2006/main" xmlns:r="http://schemas.openxmlformats.org/officeDocument/2006/relationships" xmlns:p="http://schemas.openxmlformats.org/presentationml/2006/main">
+  <p:cSld>
+    <p:spTree>
+      <p:nvGrpSpPr>
+        <p:cNvPr id="1" name=""/>
+        <p:cNvGrpSpPr/>
+        <p:nvPr/>
+      </p:nvGrpSpPr>
+      <p:grpSpPr>
+        <a:xfrm>
+          <a:off x="0" y="0"/>
+          <a:ext cx="0" cy="0"/>
+          <a:chOff x="0" y="0"/>
+          <a:chExt cx="0" cy="0"/>
+        </a:xfrm>
+      </p:grpSpPr>
+      <p:sp>
+        <p:nvSpPr>
+          <p:cNvPr id="2" name="Title 1">
+            <a:extLst>
+              <a:ext uri="{FF2B5EF4-FFF2-40B4-BE49-F238E27FC236}">
+                <a16:creationId xmlns:a16="http://schemas.microsoft.com/office/drawing/2014/main" id="{A52B034D-15F8-4B4C-B9A6-29C51CB6E173}"/>
+              </a:ext>
+            </a:extLst>
+          </p:cNvPr>
+          <p:cNvSpPr>
+            <a:spLocks noGrp="1"/>
+          </p:cNvSpPr>
+          <p:nvPr>
+            <p:ph type="title"/>
+          </p:nvPr>
+        </p:nvSpPr>
+        <p:spPr/>
+        <p:txBody>
+          <a:bodyPr/>
+          <a:lstStyle/>
+          <a:p>
+            <a:r>
+              <a:rPr lang="en-US" dirty="0">
+                <a:solidFill>
+                  <a:schemeClr val="accent3"/>
+                </a:solidFill>
+                <a:effectLst>
+                  <a:outerShdw blurRad="38100" dist="38100" dir="2700000" algn="tl">
+                    <a:srgbClr val="000000">
+                      <a:alpha val="43137"/>
+                    </a:srgbClr>
+                  </a:outerShdw>
+                </a:effectLst>
+              </a:rPr>
+              <a:t>Our Conclusions</a:t>
+            </a:r>
+          </a:p>
+        </p:txBody>
+      </p:sp>
+      <p:sp>
+        <p:nvSpPr>
+          <p:cNvPr id="3" name="Content Placeholder 2">
+            <a:extLst>
+              <a:ext uri="{FF2B5EF4-FFF2-40B4-BE49-F238E27FC236}">
+                <a16:creationId xmlns:a16="http://schemas.microsoft.com/office/drawing/2014/main" id="{4289F697-81EC-4BC6-BE55-2A10E72BE2EC}"/>
+              </a:ext>
+            </a:extLst>
+          </p:cNvPr>
+          <p:cNvSpPr>
+            <a:spLocks noGrp="1"/>
+          </p:cNvSpPr>
+          <p:nvPr>
+            <p:ph idx="1"/>
+          </p:nvPr>
+        </p:nvSpPr>
+        <p:spPr>
+          <a:xfrm>
+            <a:off x="677334" y="1930400"/>
+            <a:ext cx="8596668" cy="4466714"/>
+          </a:xfrm>
+        </p:spPr>
+        <p:txBody>
+          <a:bodyPr>
+            <a:normAutofit lnSpcReduction="10000"/>
+          </a:bodyPr>
+          <a:lstStyle/>
+          <a:p>
+            <a:r>
+              <a:rPr lang="en-US" dirty="0">
+                <a:solidFill>
+                  <a:srgbClr val="34A853"/>
+                </a:solidFill>
+              </a:rPr>
+              <a:t>Successful app genres: games, tools, communication, photography, productivity, news and magazines, sports, video players, shopping, and entertainment</a:t>
+            </a:r>
+          </a:p>
+          <a:p>
+            <a:r>
+              <a:rPr lang="en-US" dirty="0">
+                <a:solidFill>
+                  <a:srgbClr val="34A853"/>
+                </a:solidFill>
+              </a:rPr>
+              <a:t>Most successful maturity rating: Everyone 10+</a:t>
+            </a:r>
+          </a:p>
+          <a:p>
+            <a:r>
+              <a:rPr lang="en-US" dirty="0">
+                <a:solidFill>
+                  <a:srgbClr val="34A853"/>
+                </a:solidFill>
+              </a:rPr>
+              <a:t>Free apps are more popular than paid apps, could potentially earn a larger profit by creating a free app which utilizes microtransactions</a:t>
+            </a:r>
+          </a:p>
+          <a:p>
+            <a:r>
+              <a:rPr lang="en-US" dirty="0">
+                <a:solidFill>
+                  <a:srgbClr val="34A853"/>
+                </a:solidFill>
+              </a:rPr>
+              <a:t>Negative reviews have great impact, as people are less likely to leave them</a:t>
+            </a:r>
+          </a:p>
+          <a:p>
+            <a:r>
+              <a:rPr lang="en-US" dirty="0">
+                <a:solidFill>
+                  <a:srgbClr val="34A853"/>
+                </a:solidFill>
+              </a:rPr>
+              <a:t>People are likely to be more interested in apps that have more content, leading to a larger file size</a:t>
+            </a:r>
+          </a:p>
+          <a:p>
+            <a:r>
+              <a:rPr lang="en-US" dirty="0">
+                <a:solidFill>
+                  <a:srgbClr val="34A853"/>
+                </a:solidFill>
+              </a:rPr>
+              <a:t>Family apps have the most competition, while game apps have the most popularity</a:t>
+            </a:r>
+          </a:p>
+          <a:p>
+            <a:r>
+              <a:rPr lang="en-US" dirty="0">
+                <a:solidFill>
+                  <a:srgbClr val="34A853"/>
+                </a:solidFill>
+              </a:rPr>
+              <a:t>A free game rated E10+ that utilizes microtransactions in order to turn a profit and is over 50MB would be the most likely to succeed if creating a Google Play app</a:t>
+            </a:r>
+          </a:p>
+        </p:txBody>
+      </p:sp>
+    </p:spTree>
+    <p:extLst>
+      <p:ext uri="{BB962C8B-B14F-4D97-AF65-F5344CB8AC3E}">
+        <p14:creationId xmlns:p14="http://schemas.microsoft.com/office/powerpoint/2010/main" val="823972625"/>
+      </p:ext>
+    </p:extLst>
+  </p:cSld>
+  <p:clrMapOvr>
+    <a:masterClrMapping/>
+  </p:clrMapOvr>
+</p:sld>
+</file>
+
+<file path=ppt/slides/slide23.xml><?xml version="1.0" encoding="utf-8"?>
+<p:sld xmlns:a="http://schemas.openxmlformats.org/drawingml/2006/main" xmlns:r="http://schemas.openxmlformats.org/officeDocument/2006/relationships" xmlns:p="http://schemas.openxmlformats.org/presentationml/2006/main">
+  <p:cSld>
+    <p:spTree>
+      <p:nvGrpSpPr>
+        <p:cNvPr id="1" name=""/>
+        <p:cNvGrpSpPr/>
+        <p:nvPr/>
+      </p:nvGrpSpPr>
+      <p:grpSpPr>
+        <a:xfrm>
+          <a:off x="0" y="0"/>
+          <a:ext cx="0" cy="0"/>
+          <a:chOff x="0" y="0"/>
+          <a:chExt cx="0" cy="0"/>
+        </a:xfrm>
+      </p:grpSpPr>
+      <p:sp>
+        <p:nvSpPr>
+          <p:cNvPr id="2" name="Title 1">
+            <a:extLst>
+              <a:ext uri="{FF2B5EF4-FFF2-40B4-BE49-F238E27FC236}">
+                <a16:creationId xmlns:a16="http://schemas.microsoft.com/office/drawing/2014/main" id="{E006EFF7-4998-4A0E-93B4-74B99459D0BA}"/>
+              </a:ext>
+            </a:extLst>
+          </p:cNvPr>
+          <p:cNvSpPr>
+            <a:spLocks noGrp="1"/>
+          </p:cNvSpPr>
+          <p:nvPr>
+            <p:ph type="title"/>
+          </p:nvPr>
+        </p:nvSpPr>
+        <p:spPr/>
+        <p:txBody>
+          <a:bodyPr/>
+          <a:lstStyle/>
+          <a:p>
+            <a:r>
+              <a:rPr lang="en-US" dirty="0">
+                <a:solidFill>
+                  <a:schemeClr val="accent3"/>
+                </a:solidFill>
+                <a:effectLst>
+                  <a:outerShdw blurRad="38100" dist="38100" dir="2700000" algn="tl">
+                    <a:srgbClr val="000000">
+                      <a:alpha val="43137"/>
+                    </a:srgbClr>
+                  </a:outerShdw>
+                </a:effectLst>
+              </a:rPr>
+              <a:t>Our Conclusions (Cont.)</a:t>
+            </a:r>
+            <a:endParaRPr lang="en-US" dirty="0"/>
+          </a:p>
+        </p:txBody>
+      </p:sp>
+      <p:sp>
+        <p:nvSpPr>
+          <p:cNvPr id="3" name="Content Placeholder 2">
+            <a:extLst>
+              <a:ext uri="{FF2B5EF4-FFF2-40B4-BE49-F238E27FC236}">
+                <a16:creationId xmlns:a16="http://schemas.microsoft.com/office/drawing/2014/main" id="{7C105BFD-4115-4FC7-9685-B9DA8E544EC6}"/>
+              </a:ext>
+            </a:extLst>
+          </p:cNvPr>
+          <p:cNvSpPr>
+            <a:spLocks noGrp="1"/>
+          </p:cNvSpPr>
+          <p:nvPr>
+            <p:ph idx="1"/>
+          </p:nvPr>
+        </p:nvSpPr>
+        <p:spPr/>
+        <p:txBody>
+          <a:bodyPr/>
+          <a:lstStyle/>
+          <a:p>
+            <a:pPr>
+              <a:lnSpc>
+                <a:spcPct val="200000"/>
+              </a:lnSpc>
+            </a:pPr>
+            <a:r>
+              <a:rPr lang="en-US" dirty="0">
+                <a:solidFill>
+                  <a:srgbClr val="34A853"/>
+                </a:solidFill>
+              </a:rPr>
+              <a:t>It is unlikely for an app to fall below a 4-star rating</a:t>
+            </a:r>
+          </a:p>
+          <a:p>
+            <a:pPr>
+              <a:lnSpc>
+                <a:spcPct val="200000"/>
+              </a:lnSpc>
+            </a:pPr>
+            <a:r>
+              <a:rPr lang="en-US" dirty="0">
+                <a:solidFill>
+                  <a:srgbClr val="34A853"/>
+                </a:solidFill>
+              </a:rPr>
+              <a:t>Games have the largest average file size, people expect more content from games</a:t>
+            </a:r>
+          </a:p>
+          <a:p>
+            <a:pPr>
+              <a:lnSpc>
+                <a:spcPct val="200000"/>
+              </a:lnSpc>
+            </a:pPr>
+            <a:r>
+              <a:rPr lang="en-US" dirty="0">
+                <a:solidFill>
+                  <a:srgbClr val="34A853"/>
+                </a:solidFill>
+              </a:rPr>
+              <a:t>The average rating for games is near 4 stars</a:t>
+            </a:r>
+          </a:p>
+          <a:p>
+            <a:pPr>
+              <a:lnSpc>
+                <a:spcPct val="200000"/>
+              </a:lnSpc>
+            </a:pPr>
+            <a:r>
+              <a:rPr lang="en-US" dirty="0">
+                <a:solidFill>
+                  <a:srgbClr val="34A853"/>
+                </a:solidFill>
+              </a:rPr>
+              <a:t>People are a lot more likely to leave reviews on games compared to any other app</a:t>
+            </a:r>
+          </a:p>
+        </p:txBody>
+      </p:sp>
+    </p:spTree>
+    <p:extLst>
+      <p:ext uri="{BB962C8B-B14F-4D97-AF65-F5344CB8AC3E}">
+        <p14:creationId xmlns:p14="http://schemas.microsoft.com/office/powerpoint/2010/main" val="3048810647"/>
+      </p:ext>
+    </p:extLst>
+  </p:cSld>
+  <p:clrMapOvr>
+    <a:masterClrMapping/>
+  </p:clrMapOvr>
+</p:sld>
+</file>
+
 <file path=ppt/slides/slide3.xml><?xml version="1.0" encoding="utf-8"?>
 <p:sld xmlns:a="http://schemas.openxmlformats.org/drawingml/2006/main" xmlns:r="http://schemas.openxmlformats.org/officeDocument/2006/relationships" xmlns:p="http://schemas.openxmlformats.org/presentationml/2006/main">
   <p:cSld>
@@ -6506,7 +7840,7 @@
           <p:cNvPr id="2" name="Title 1">
             <a:extLst>
               <a:ext uri="{FF2B5EF4-FFF2-40B4-BE49-F238E27FC236}">
-                <a16:creationId xmlns:a16="http://schemas.microsoft.com/office/drawing/2014/main" id="{F93C2E96-C476-45F5-8742-B811E71EF16C}"/>
+                <a16:creationId xmlns:a16="http://schemas.microsoft.com/office/drawing/2014/main" id="{BC906F28-E640-434F-A2EC-27C833D606AB}"/>
               </a:ext>
             </a:extLst>
           </p:cNvPr>
@@ -6535,7 +7869,7 @@
                   </a:outerShdw>
                 </a:effectLst>
               </a:rPr>
-              <a:t>The Data We’re working with</a:t>
+              <a:t>Our Questions (Cont.)</a:t>
             </a:r>
           </a:p>
         </p:txBody>
@@ -6545,7 +7879,7 @@
           <p:cNvPr id="3" name="Content Placeholder 2">
             <a:extLst>
               <a:ext uri="{FF2B5EF4-FFF2-40B4-BE49-F238E27FC236}">
-                <a16:creationId xmlns:a16="http://schemas.microsoft.com/office/drawing/2014/main" id="{FD14C051-170A-4ABA-AADC-0BA5E0D7919D}"/>
+                <a16:creationId xmlns:a16="http://schemas.microsoft.com/office/drawing/2014/main" id="{634F9023-76EC-46A2-93ED-522766EFEC56}"/>
               </a:ext>
             </a:extLst>
           </p:cNvPr>
@@ -6558,12 +7892,14 @@
         </p:nvSpPr>
         <p:spPr/>
         <p:txBody>
-          <a:bodyPr/>
+          <a:bodyPr>
+            <a:normAutofit/>
+          </a:bodyPr>
           <a:lstStyle/>
           <a:p>
             <a:pPr>
               <a:lnSpc>
-                <a:spcPct val="250000"/>
+                <a:spcPct val="200000"/>
               </a:lnSpc>
             </a:pPr>
             <a:r>
@@ -6572,13 +7908,13 @@
                   <a:srgbClr val="34A853"/>
                 </a:solidFill>
               </a:rPr>
-              <a:t>Over 10,000 data entries on multiple Google Play™ apps</a:t>
+              <a:t>What is the most common rating score?</a:t>
             </a:r>
           </a:p>
           <a:p>
             <a:pPr>
               <a:lnSpc>
-                <a:spcPct val="250000"/>
+                <a:spcPct val="200000"/>
               </a:lnSpc>
             </a:pPr>
             <a:r>
@@ -6587,13 +7923,13 @@
                   <a:srgbClr val="34A853"/>
                 </a:solidFill>
               </a:rPr>
-              <a:t>Source: Kaggle.com user Lavanya Gupta</a:t>
+              <a:t>How many installs did each category get on average per app?</a:t>
             </a:r>
           </a:p>
           <a:p>
             <a:pPr>
               <a:lnSpc>
-                <a:spcPct val="250000"/>
+                <a:spcPct val="200000"/>
               </a:lnSpc>
             </a:pPr>
             <a:r>
@@ -6602,7 +7938,37 @@
                   <a:srgbClr val="34A853"/>
                 </a:solidFill>
               </a:rPr>
-              <a:t>Information used: App names, categories, ratings, numbers of reviews, file sizes, numbers of installs, payment types, prices, and maturity ratings</a:t>
+              <a:t>What is the average kilobyte size per app in each category?</a:t>
+            </a:r>
+          </a:p>
+          <a:p>
+            <a:pPr>
+              <a:lnSpc>
+                <a:spcPct val="200000"/>
+              </a:lnSpc>
+            </a:pPr>
+            <a:r>
+              <a:rPr lang="en-US" dirty="0">
+                <a:solidFill>
+                  <a:srgbClr val="34A853"/>
+                </a:solidFill>
+              </a:rPr>
+              <a:t>In each category, what is the average rating per app?</a:t>
+            </a:r>
+          </a:p>
+          <a:p>
+            <a:pPr>
+              <a:lnSpc>
+                <a:spcPct val="200000"/>
+              </a:lnSpc>
+            </a:pPr>
+            <a:r>
+              <a:rPr lang="en-US" dirty="0">
+                <a:solidFill>
+                  <a:srgbClr val="34A853"/>
+                </a:solidFill>
+              </a:rPr>
+              <a:t>How many reviews did each category receive on average per app?</a:t>
             </a:r>
           </a:p>
         </p:txBody>
@@ -6610,7 +7976,7 @@
     </p:spTree>
     <p:extLst>
       <p:ext uri="{BB962C8B-B14F-4D97-AF65-F5344CB8AC3E}">
-        <p14:creationId xmlns:p14="http://schemas.microsoft.com/office/powerpoint/2010/main" val="1097708909"/>
+        <p14:creationId xmlns:p14="http://schemas.microsoft.com/office/powerpoint/2010/main" val="2153981000"/>
       </p:ext>
     </p:extLst>
   </p:cSld>
@@ -6642,7 +8008,7 @@
           <p:cNvPr id="2" name="Title 1">
             <a:extLst>
               <a:ext uri="{FF2B5EF4-FFF2-40B4-BE49-F238E27FC236}">
-                <a16:creationId xmlns:a16="http://schemas.microsoft.com/office/drawing/2014/main" id="{A06290FE-79A9-49FD-A895-C503029DBC18}"/>
+                <a16:creationId xmlns:a16="http://schemas.microsoft.com/office/drawing/2014/main" id="{F93C2E96-C476-45F5-8742-B811E71EF16C}"/>
               </a:ext>
             </a:extLst>
           </p:cNvPr>
@@ -6671,7 +8037,7 @@
                   </a:outerShdw>
                 </a:effectLst>
               </a:rPr>
-              <a:t>Cleaning the data</a:t>
+              <a:t>The Data We’re Working With</a:t>
             </a:r>
           </a:p>
         </p:txBody>
@@ -6681,7 +8047,7 @@
           <p:cNvPr id="3" name="Content Placeholder 2">
             <a:extLst>
               <a:ext uri="{FF2B5EF4-FFF2-40B4-BE49-F238E27FC236}">
-                <a16:creationId xmlns:a16="http://schemas.microsoft.com/office/drawing/2014/main" id="{6C123A11-5B3D-45ED-853F-A2FD488A406D}"/>
+                <a16:creationId xmlns:a16="http://schemas.microsoft.com/office/drawing/2014/main" id="{FD14C051-170A-4ABA-AADC-0BA5E0D7919D}"/>
               </a:ext>
             </a:extLst>
           </p:cNvPr>
@@ -6699,7 +8065,7 @@
           <a:p>
             <a:pPr>
               <a:lnSpc>
-                <a:spcPct val="150000"/>
+                <a:spcPct val="250000"/>
               </a:lnSpc>
             </a:pPr>
             <a:r>
@@ -6708,13 +8074,13 @@
                   <a:srgbClr val="34A853"/>
                 </a:solidFill>
               </a:rPr>
-              <a:t>Dropped additional columns of information we wouldn’t be using, such as update versions for each app</a:t>
+              <a:t>Over 10,000 data entries on multiple Google Play™ apps</a:t>
             </a:r>
           </a:p>
           <a:p>
             <a:pPr>
               <a:lnSpc>
-                <a:spcPct val="150000"/>
+                <a:spcPct val="250000"/>
               </a:lnSpc>
             </a:pPr>
             <a:r>
@@ -6723,13 +8089,13 @@
                   <a:srgbClr val="34A853"/>
                 </a:solidFill>
               </a:rPr>
-              <a:t>Dropped 1,475 rows of data which were lacking information</a:t>
+              <a:t>Source: Kaggle.com user Lavanya Gupta</a:t>
             </a:r>
           </a:p>
           <a:p>
             <a:pPr>
               <a:lnSpc>
-                <a:spcPct val="150000"/>
+                <a:spcPct val="250000"/>
               </a:lnSpc>
             </a:pPr>
             <a:r>
@@ -6738,37 +8104,7 @@
                   <a:srgbClr val="34A853"/>
                 </a:solidFill>
               </a:rPr>
-              <a:t>Dropped 1,640 rows of data with information not applicable to our tests, such as apps with file sizes that vary by device</a:t>
-            </a:r>
-          </a:p>
-          <a:p>
-            <a:pPr>
-              <a:lnSpc>
-                <a:spcPct val="150000"/>
-              </a:lnSpc>
-            </a:pPr>
-            <a:r>
-              <a:rPr lang="en-US" dirty="0">
-                <a:solidFill>
-                  <a:srgbClr val="34A853"/>
-                </a:solidFill>
-              </a:rPr>
-              <a:t>Dropped 700 rows which contained duplicate information</a:t>
-            </a:r>
-          </a:p>
-          <a:p>
-            <a:pPr>
-              <a:lnSpc>
-                <a:spcPct val="150000"/>
-              </a:lnSpc>
-            </a:pPr>
-            <a:r>
-              <a:rPr lang="en-US" dirty="0">
-                <a:solidFill>
-                  <a:srgbClr val="34A853"/>
-                </a:solidFill>
-              </a:rPr>
-              <a:t>Left with 7,026 rows of data after cleanup</a:t>
+              <a:t>Information used: App names, categories, ratings, numbers of reviews, file sizes, numbers of installs, payment types, prices, and maturity ratings</a:t>
             </a:r>
           </a:p>
         </p:txBody>
@@ -6776,7 +8112,7 @@
     </p:spTree>
     <p:extLst>
       <p:ext uri="{BB962C8B-B14F-4D97-AF65-F5344CB8AC3E}">
-        <p14:creationId xmlns:p14="http://schemas.microsoft.com/office/powerpoint/2010/main" val="216132843"/>
+        <p14:creationId xmlns:p14="http://schemas.microsoft.com/office/powerpoint/2010/main" val="1097708909"/>
       </p:ext>
     </p:extLst>
   </p:cSld>
@@ -6808,7 +8144,7 @@
           <p:cNvPr id="2" name="Title 1">
             <a:extLst>
               <a:ext uri="{FF2B5EF4-FFF2-40B4-BE49-F238E27FC236}">
-                <a16:creationId xmlns:a16="http://schemas.microsoft.com/office/drawing/2014/main" id="{3BCF199B-8AF1-4080-A662-147F84A6FB1B}"/>
+                <a16:creationId xmlns:a16="http://schemas.microsoft.com/office/drawing/2014/main" id="{A06290FE-79A9-49FD-A895-C503029DBC18}"/>
               </a:ext>
             </a:extLst>
           </p:cNvPr>
@@ -6824,7 +8160,21 @@
           <a:bodyPr/>
           <a:lstStyle/>
           <a:p>
-            <a:endParaRPr lang="en-US"/>
+            <a:r>
+              <a:rPr lang="en-US" dirty="0">
+                <a:solidFill>
+                  <a:schemeClr val="accent3"/>
+                </a:solidFill>
+                <a:effectLst>
+                  <a:outerShdw blurRad="38100" dist="38100" dir="2700000" algn="tl">
+                    <a:srgbClr val="000000">
+                      <a:alpha val="43137"/>
+                    </a:srgbClr>
+                  </a:outerShdw>
+                </a:effectLst>
+              </a:rPr>
+              <a:t>Cleaning The Data</a:t>
+            </a:r>
           </a:p>
         </p:txBody>
       </p:sp>
@@ -6833,7 +8183,7 @@
           <p:cNvPr id="3" name="Content Placeholder 2">
             <a:extLst>
               <a:ext uri="{FF2B5EF4-FFF2-40B4-BE49-F238E27FC236}">
-                <a16:creationId xmlns:a16="http://schemas.microsoft.com/office/drawing/2014/main" id="{D094F69E-5961-4BDA-86D1-1D7903613789}"/>
+                <a16:creationId xmlns:a16="http://schemas.microsoft.com/office/drawing/2014/main" id="{6C123A11-5B3D-45ED-853F-A2FD488A406D}"/>
               </a:ext>
             </a:extLst>
           </p:cNvPr>
@@ -6849,14 +8199,86 @@
           <a:bodyPr/>
           <a:lstStyle/>
           <a:p>
-            <a:endParaRPr lang="en-US"/>
+            <a:pPr>
+              <a:lnSpc>
+                <a:spcPct val="150000"/>
+              </a:lnSpc>
+            </a:pPr>
+            <a:r>
+              <a:rPr lang="en-US" dirty="0">
+                <a:solidFill>
+                  <a:srgbClr val="34A853"/>
+                </a:solidFill>
+              </a:rPr>
+              <a:t>Dropped additional columns of information we wouldn’t be using, such as update versions for each app</a:t>
+            </a:r>
+          </a:p>
+          <a:p>
+            <a:pPr>
+              <a:lnSpc>
+                <a:spcPct val="150000"/>
+              </a:lnSpc>
+            </a:pPr>
+            <a:r>
+              <a:rPr lang="en-US" dirty="0">
+                <a:solidFill>
+                  <a:srgbClr val="34A853"/>
+                </a:solidFill>
+              </a:rPr>
+              <a:t>Dropped 1,475 rows of data which were lacking information</a:t>
+            </a:r>
+          </a:p>
+          <a:p>
+            <a:pPr>
+              <a:lnSpc>
+                <a:spcPct val="150000"/>
+              </a:lnSpc>
+            </a:pPr>
+            <a:r>
+              <a:rPr lang="en-US" dirty="0">
+                <a:solidFill>
+                  <a:srgbClr val="34A853"/>
+                </a:solidFill>
+              </a:rPr>
+              <a:t>Dropped 1,640 rows of data with information not applicable to our tests, such as apps with file sizes that vary by device</a:t>
+            </a:r>
+          </a:p>
+          <a:p>
+            <a:pPr>
+              <a:lnSpc>
+                <a:spcPct val="150000"/>
+              </a:lnSpc>
+            </a:pPr>
+            <a:r>
+              <a:rPr lang="en-US" dirty="0">
+                <a:solidFill>
+                  <a:srgbClr val="34A853"/>
+                </a:solidFill>
+              </a:rPr>
+              <a:t>Dropped 700 rows which contained duplicate information</a:t>
+            </a:r>
+          </a:p>
+          <a:p>
+            <a:pPr>
+              <a:lnSpc>
+                <a:spcPct val="150000"/>
+              </a:lnSpc>
+            </a:pPr>
+            <a:r>
+              <a:rPr lang="en-US" dirty="0">
+                <a:solidFill>
+                  <a:srgbClr val="34A853"/>
+                </a:solidFill>
+              </a:rPr>
+              <a:t>Left with 7,026 rows of data after cleanup</a:t>
+            </a:r>
           </a:p>
         </p:txBody>
       </p:sp>
     </p:spTree>
     <p:extLst>
       <p:ext uri="{BB962C8B-B14F-4D97-AF65-F5344CB8AC3E}">
-        <p14:creationId xmlns:p14="http://schemas.microsoft.com/office/powerpoint/2010/main" val="230349223"/>
+        <p14:creationId xmlns:p14="http://schemas.microsoft.com/office/powerpoint/2010/main" val="216132843"/>
       </p:ext>
     </p:extLst>
   </p:cSld>
@@ -6888,7 +8310,7 @@
           <p:cNvPr id="2" name="Title 1">
             <a:extLst>
               <a:ext uri="{FF2B5EF4-FFF2-40B4-BE49-F238E27FC236}">
-                <a16:creationId xmlns:a16="http://schemas.microsoft.com/office/drawing/2014/main" id="{9EB19351-437F-4920-869E-2FB3C275BF74}"/>
+                <a16:creationId xmlns:a16="http://schemas.microsoft.com/office/drawing/2014/main" id="{3BCF199B-8AF1-4080-A662-147F84A6FB1B}"/>
               </a:ext>
             </a:extLst>
           </p:cNvPr>
@@ -6899,15 +8321,21 @@
             <p:ph type="title"/>
           </p:nvPr>
         </p:nvSpPr>
-        <p:spPr/>
+        <p:spPr>
+          <a:xfrm>
+            <a:off x="0" y="1787554"/>
+            <a:ext cx="10446468" cy="3282892"/>
+          </a:xfrm>
+        </p:spPr>
         <p:txBody>
           <a:bodyPr>
-            <a:normAutofit fontScale="90000"/>
+            <a:noAutofit/>
           </a:bodyPr>
           <a:lstStyle/>
           <a:p>
-            <a:r>
-              <a:rPr lang="en-US" dirty="0">
+            <a:pPr algn="ctr"/>
+            <a:r>
+              <a:rPr lang="en-US" sz="9600" dirty="0">
                 <a:solidFill>
                   <a:schemeClr val="accent3"/>
                 </a:solidFill>
@@ -6919,52 +8347,19 @@
                   </a:outerShdw>
                 </a:effectLst>
               </a:rPr>
-              <a:t>What age-group has the most activity on Google Play™?</a:t>
+              <a:t>Answering Our Questions</a:t>
             </a:r>
             <a:br>
-              <a:rPr lang="en-US" dirty="0">
-                <a:solidFill>
-                  <a:srgbClr val="34A853"/>
-                </a:solidFill>
-              </a:rPr>
+              <a:rPr lang="en-US" sz="9600" dirty="0"/>
             </a:br>
-            <a:endParaRPr lang="en-US" dirty="0"/>
-          </a:p>
-        </p:txBody>
-      </p:sp>
-      <p:pic>
-        <p:nvPicPr>
-          <p:cNvPr id="5" name="Content Placeholder 4">
-            <a:extLst>
-              <a:ext uri="{FF2B5EF4-FFF2-40B4-BE49-F238E27FC236}">
-                <a16:creationId xmlns:a16="http://schemas.microsoft.com/office/drawing/2014/main" id="{A6316843-8F46-4390-8027-26F27CC6AE20}"/>
-              </a:ext>
-            </a:extLst>
-          </p:cNvPr>
-          <p:cNvPicPr>
-            <a:picLocks noGrp="1" noChangeAspect="1"/>
-          </p:cNvPicPr>
-          <p:nvPr>
-            <p:ph idx="1"/>
-          </p:nvPr>
-        </p:nvPicPr>
-        <p:blipFill>
-          <a:blip r:embed="rId2"/>
-          <a:stretch>
-            <a:fillRect/>
-          </a:stretch>
-        </p:blipFill>
-        <p:spPr>
-          <a:xfrm>
-            <a:off x="2232194" y="2272090"/>
-            <a:ext cx="5487650" cy="3658433"/>
-          </a:xfrm>
-        </p:spPr>
-      </p:pic>
+            <a:endParaRPr lang="en-US" sz="9600" dirty="0"/>
+          </a:p>
+        </p:txBody>
+      </p:sp>
     </p:spTree>
     <p:extLst>
       <p:ext uri="{BB962C8B-B14F-4D97-AF65-F5344CB8AC3E}">
-        <p14:creationId xmlns:p14="http://schemas.microsoft.com/office/powerpoint/2010/main" val="2267984614"/>
+        <p14:creationId xmlns:p14="http://schemas.microsoft.com/office/powerpoint/2010/main" val="230349223"/>
       </p:ext>
     </p:extLst>
   </p:cSld>
@@ -6996,7 +8391,7 @@
           <p:cNvPr id="2" name="Title 1">
             <a:extLst>
               <a:ext uri="{FF2B5EF4-FFF2-40B4-BE49-F238E27FC236}">
-                <a16:creationId xmlns:a16="http://schemas.microsoft.com/office/drawing/2014/main" id="{337C314A-A8A7-4283-BD96-5A585C89F132}"/>
+                <a16:creationId xmlns:a16="http://schemas.microsoft.com/office/drawing/2014/main" id="{9EB19351-437F-4920-869E-2FB3C275BF74}"/>
               </a:ext>
             </a:extLst>
           </p:cNvPr>
@@ -7027,7 +8422,7 @@
                   </a:outerShdw>
                 </a:effectLst>
               </a:rPr>
-              <a:t>Are free apps more popular than paid ones? If so, how much more popular?</a:t>
+              <a:t>What age-group has the most activity on Google Play™?</a:t>
             </a:r>
             <a:br>
               <a:rPr lang="en-US" dirty="0">
@@ -7045,7 +8440,7 @@
           <p:cNvPr id="5" name="Content Placeholder 4">
             <a:extLst>
               <a:ext uri="{FF2B5EF4-FFF2-40B4-BE49-F238E27FC236}">
-                <a16:creationId xmlns:a16="http://schemas.microsoft.com/office/drawing/2014/main" id="{A11827A5-1E52-4FF5-ACE5-86BD56AA4F70}"/>
+                <a16:creationId xmlns:a16="http://schemas.microsoft.com/office/drawing/2014/main" id="{A6316843-8F46-4390-8027-26F27CC6AE20}"/>
               </a:ext>
             </a:extLst>
           </p:cNvPr>
@@ -7064,15 +8459,15 @@
         </p:blipFill>
         <p:spPr>
           <a:xfrm>
-            <a:off x="2232194" y="2272090"/>
-            <a:ext cx="5487650" cy="3658433"/>
+            <a:off x="864066" y="1778466"/>
+            <a:ext cx="7066986" cy="4711324"/>
           </a:xfrm>
         </p:spPr>
       </p:pic>
     </p:spTree>
     <p:extLst>
       <p:ext uri="{BB962C8B-B14F-4D97-AF65-F5344CB8AC3E}">
-        <p14:creationId xmlns:p14="http://schemas.microsoft.com/office/powerpoint/2010/main" val="120534484"/>
+        <p14:creationId xmlns:p14="http://schemas.microsoft.com/office/powerpoint/2010/main" val="2267984614"/>
       </p:ext>
     </p:extLst>
   </p:cSld>
@@ -7104,7 +8499,7 @@
           <p:cNvPr id="2" name="Title 1">
             <a:extLst>
               <a:ext uri="{FF2B5EF4-FFF2-40B4-BE49-F238E27FC236}">
-                <a16:creationId xmlns:a16="http://schemas.microsoft.com/office/drawing/2014/main" id="{7FC3CE56-8644-446F-8977-A833A49B1211}"/>
+                <a16:creationId xmlns:a16="http://schemas.microsoft.com/office/drawing/2014/main" id="{337C314A-A8A7-4283-BD96-5A585C89F132}"/>
               </a:ext>
             </a:extLst>
           </p:cNvPr>
@@ -7135,7 +8530,7 @@
                   </a:outerShdw>
                 </a:effectLst>
               </a:rPr>
-              <a:t>How common are positive reviews on apps?</a:t>
+              <a:t>Are free apps more popular than paid ones?</a:t>
             </a:r>
             <a:br>
               <a:rPr lang="en-US" dirty="0">
@@ -7151,18 +8546,29 @@
                 </a:effectLst>
               </a:rPr>
             </a:br>
-            <a:endParaRPr lang="en-US" dirty="0">
-              <a:solidFill>
-                <a:schemeClr val="accent3"/>
-              </a:solidFill>
-              <a:effectLst>
-                <a:outerShdw blurRad="38100" dist="38100" dir="2700000" algn="tl">
-                  <a:srgbClr val="000000">
-                    <a:alpha val="43137"/>
-                  </a:srgbClr>
-                </a:outerShdw>
-              </a:effectLst>
-            </a:endParaRPr>
+            <a:r>
+              <a:rPr lang="en-US" dirty="0">
+                <a:solidFill>
+                  <a:schemeClr val="accent3"/>
+                </a:solidFill>
+                <a:effectLst>
+                  <a:outerShdw blurRad="38100" dist="38100" dir="2700000" algn="tl">
+                    <a:srgbClr val="000000">
+                      <a:alpha val="43137"/>
+                    </a:srgbClr>
+                  </a:outerShdw>
+                </a:effectLst>
+              </a:rPr>
+              <a:t>If so, how much more popular?</a:t>
+            </a:r>
+            <a:br>
+              <a:rPr lang="en-US" dirty="0">
+                <a:solidFill>
+                  <a:srgbClr val="34A853"/>
+                </a:solidFill>
+              </a:rPr>
+            </a:br>
+            <a:endParaRPr lang="en-US" dirty="0"/>
           </a:p>
         </p:txBody>
       </p:sp>
@@ -7171,7 +8577,7 @@
           <p:cNvPr id="5" name="Content Placeholder 4">
             <a:extLst>
               <a:ext uri="{FF2B5EF4-FFF2-40B4-BE49-F238E27FC236}">
-                <a16:creationId xmlns:a16="http://schemas.microsoft.com/office/drawing/2014/main" id="{CC4CB9A5-AAFF-48F6-B0E4-7C686A96C4FF}"/>
+                <a16:creationId xmlns:a16="http://schemas.microsoft.com/office/drawing/2014/main" id="{A11827A5-1E52-4FF5-ACE5-86BD56AA4F70}"/>
               </a:ext>
             </a:extLst>
           </p:cNvPr>
@@ -7190,15 +8596,15 @@
         </p:blipFill>
         <p:spPr>
           <a:xfrm>
-            <a:off x="2232194" y="2272090"/>
-            <a:ext cx="5487650" cy="3658433"/>
+            <a:off x="1652631" y="1930400"/>
+            <a:ext cx="6579747" cy="4386498"/>
           </a:xfrm>
         </p:spPr>
       </p:pic>
     </p:spTree>
     <p:extLst>
       <p:ext uri="{BB962C8B-B14F-4D97-AF65-F5344CB8AC3E}">
-        <p14:creationId xmlns:p14="http://schemas.microsoft.com/office/powerpoint/2010/main" val="1494395790"/>
+        <p14:creationId xmlns:p14="http://schemas.microsoft.com/office/powerpoint/2010/main" val="120534484"/>
       </p:ext>
     </p:extLst>
   </p:cSld>
@@ -7230,7 +8636,7 @@
           <p:cNvPr id="2" name="Title 1">
             <a:extLst>
               <a:ext uri="{FF2B5EF4-FFF2-40B4-BE49-F238E27FC236}">
-                <a16:creationId xmlns:a16="http://schemas.microsoft.com/office/drawing/2014/main" id="{3E85B687-4B35-46CE-8D41-05EC8F2F8EF5}"/>
+                <a16:creationId xmlns:a16="http://schemas.microsoft.com/office/drawing/2014/main" id="{7FC3CE56-8644-446F-8977-A833A49B1211}"/>
               </a:ext>
             </a:extLst>
           </p:cNvPr>
@@ -7261,23 +8667,34 @@
                   </a:outerShdw>
                 </a:effectLst>
               </a:rPr>
-              <a:t>Does file size have an affect on how many people download an app?</a:t>
+              <a:t>How common are positive reviews on apps?</a:t>
             </a:r>
             <a:br>
               <a:rPr lang="en-US" dirty="0">
                 <a:solidFill>
-                  <a:srgbClr val="34A853"/>
-                </a:solidFill>
+                  <a:schemeClr val="accent3"/>
+                </a:solidFill>
+                <a:effectLst>
+                  <a:outerShdw blurRad="38100" dist="38100" dir="2700000" algn="tl">
+                    <a:srgbClr val="000000">
+                      <a:alpha val="43137"/>
+                    </a:srgbClr>
+                  </a:outerShdw>
+                </a:effectLst>
               </a:rPr>
             </a:br>
-            <a:br>
-              <a:rPr lang="en-US" dirty="0">
-                <a:solidFill>
-                  <a:srgbClr val="34A853"/>
-                </a:solidFill>
-              </a:rPr>
-            </a:br>
-            <a:endParaRPr lang="en-US" dirty="0"/>
+            <a:endParaRPr lang="en-US" dirty="0">
+              <a:solidFill>
+                <a:schemeClr val="accent3"/>
+              </a:solidFill>
+              <a:effectLst>
+                <a:outerShdw blurRad="38100" dist="38100" dir="2700000" algn="tl">
+                  <a:srgbClr val="000000">
+                    <a:alpha val="43137"/>
+                  </a:srgbClr>
+                </a:outerShdw>
+              </a:effectLst>
+            </a:endParaRPr>
           </a:p>
         </p:txBody>
       </p:sp>
@@ -7286,7 +8703,7 @@
           <p:cNvPr id="5" name="Content Placeholder 4">
             <a:extLst>
               <a:ext uri="{FF2B5EF4-FFF2-40B4-BE49-F238E27FC236}">
-                <a16:creationId xmlns:a16="http://schemas.microsoft.com/office/drawing/2014/main" id="{0F33CEB4-D6BB-4FB8-AE92-C3684FCC76CD}"/>
+                <a16:creationId xmlns:a16="http://schemas.microsoft.com/office/drawing/2014/main" id="{CC4CB9A5-AAFF-48F6-B0E4-7C686A96C4FF}"/>
               </a:ext>
             </a:extLst>
           </p:cNvPr>
@@ -7305,15 +8722,15 @@
         </p:blipFill>
         <p:spPr>
           <a:xfrm>
-            <a:off x="2232194" y="2272090"/>
-            <a:ext cx="5487650" cy="3658433"/>
+            <a:off x="1719659" y="1619076"/>
+            <a:ext cx="6467172" cy="4311448"/>
           </a:xfrm>
         </p:spPr>
       </p:pic>
     </p:spTree>
     <p:extLst>
       <p:ext uri="{BB962C8B-B14F-4D97-AF65-F5344CB8AC3E}">
-        <p14:creationId xmlns:p14="http://schemas.microsoft.com/office/powerpoint/2010/main" val="519606211"/>
+        <p14:creationId xmlns:p14="http://schemas.microsoft.com/office/powerpoint/2010/main" val="1494395790"/>
       </p:ext>
     </p:extLst>
   </p:cSld>

--- a/Google Play™ Store Analysis.pptx
+++ b/Google Play™ Store Analysis.pptx
@@ -5868,7 +5868,7 @@
                   <a:srgbClr val="34A853"/>
                 </a:solidFill>
               </a:rPr>
-              <a:t>Kyle and Mark Peterson</a:t>
+              <a:t>Kyle Peterson and Mark Peterson</a:t>
             </a:r>
           </a:p>
         </p:txBody>
@@ -6067,31 +6067,55 @@
           </a:p>
         </p:txBody>
       </p:sp>
-      <p:sp>
-        <p:nvSpPr>
-          <p:cNvPr id="3" name="Content Placeholder 2">
+      <p:pic>
+        <p:nvPicPr>
+          <p:cNvPr id="1026" name="Picture 2">
             <a:extLst>
               <a:ext uri="{FF2B5EF4-FFF2-40B4-BE49-F238E27FC236}">
-                <a16:creationId xmlns:a16="http://schemas.microsoft.com/office/drawing/2014/main" id="{7C743D9E-B459-46C3-B155-1B7B1F93A5F5}"/>
+                <a16:creationId xmlns:a16="http://schemas.microsoft.com/office/drawing/2014/main" id="{D719BE57-2FF6-4C41-A654-A532ABCF01F6}"/>
               </a:ext>
             </a:extLst>
           </p:cNvPr>
-          <p:cNvSpPr>
-            <a:spLocks noGrp="1"/>
-          </p:cNvSpPr>
+          <p:cNvPicPr>
+            <a:picLocks noGrp="1" noChangeAspect="1" noChangeArrowheads="1"/>
+          </p:cNvPicPr>
           <p:nvPr>
             <p:ph idx="1"/>
           </p:nvPr>
-        </p:nvSpPr>
-        <p:spPr/>
-        <p:txBody>
-          <a:bodyPr/>
-          <a:lstStyle/>
-          <a:p>
-            <a:endParaRPr lang="en-US" dirty="0"/>
-          </a:p>
-        </p:txBody>
-      </p:sp>
+        </p:nvPicPr>
+        <p:blipFill>
+          <a:blip r:embed="rId2">
+            <a:extLst>
+              <a:ext uri="{28A0092B-C50C-407E-A947-70E740481C1C}">
+                <a14:useLocalDpi xmlns:a14="http://schemas.microsoft.com/office/drawing/2010/main" val="0"/>
+              </a:ext>
+            </a:extLst>
+          </a:blip>
+          <a:srcRect/>
+          <a:stretch>
+            <a:fillRect/>
+          </a:stretch>
+        </p:blipFill>
+        <p:spPr bwMode="auto">
+          <a:xfrm>
+            <a:off x="2099387" y="1749724"/>
+            <a:ext cx="5850295" cy="4740937"/>
+          </a:xfrm>
+          <a:prstGeom prst="rect">
+            <a:avLst/>
+          </a:prstGeom>
+          <a:noFill/>
+          <a:extLst>
+            <a:ext uri="{909E8E84-426E-40DD-AFC4-6F175D3DCCD1}">
+              <a14:hiddenFill xmlns:a14="http://schemas.microsoft.com/office/drawing/2010/main">
+                <a:solidFill>
+                  <a:srgbClr val="FFFFFF"/>
+                </a:solidFill>
+              </a14:hiddenFill>
+            </a:ext>
+          </a:extLst>
+        </p:spPr>
+      </p:pic>
     </p:spTree>
     <p:extLst>
       <p:ext uri="{BB962C8B-B14F-4D97-AF65-F5344CB8AC3E}">
@@ -7739,9 +7763,16 @@
             <p:ph idx="1"/>
           </p:nvPr>
         </p:nvSpPr>
-        <p:spPr/>
-        <p:txBody>
-          <a:bodyPr/>
+        <p:spPr>
+          <a:xfrm>
+            <a:off x="677334" y="1409351"/>
+            <a:ext cx="8596668" cy="4632012"/>
+          </a:xfrm>
+        </p:spPr>
+        <p:txBody>
+          <a:bodyPr>
+            <a:normAutofit fontScale="77500" lnSpcReduction="20000"/>
+          </a:bodyPr>
           <a:lstStyle/>
           <a:p>
             <a:pPr>
@@ -7755,7 +7786,39 @@
                   <a:srgbClr val="34A853"/>
                 </a:solidFill>
               </a:rPr>
-              <a:t>It is unlikely for an app to fall below a 4-star rating</a:t>
+              <a:t>It is unlikely for an app to fall below a 4-star rating.  </a:t>
+            </a:r>
+          </a:p>
+          <a:p>
+            <a:pPr marL="0" indent="0">
+              <a:lnSpc>
+                <a:spcPct val="200000"/>
+              </a:lnSpc>
+              <a:buNone/>
+            </a:pPr>
+            <a:r>
+              <a:rPr lang="en-US" dirty="0">
+                <a:solidFill>
+                  <a:srgbClr val="34A853"/>
+                </a:solidFill>
+              </a:rPr>
+              <a:t>        The vast majority of the ratings are between 4 and 5 stars.  </a:t>
+            </a:r>
+          </a:p>
+          <a:p>
+            <a:pPr marL="0" indent="0">
+              <a:lnSpc>
+                <a:spcPct val="200000"/>
+              </a:lnSpc>
+              <a:buNone/>
+            </a:pPr>
+            <a:r>
+              <a:rPr lang="en-US" dirty="0">
+                <a:solidFill>
+                  <a:srgbClr val="34A853"/>
+                </a:solidFill>
+              </a:rPr>
+              <a:t>        With the most common average rating at 4.4 stars out of 5 stars maximum.</a:t>
             </a:r>
           </a:p>
           <a:p>
@@ -7770,7 +7833,55 @@
                   <a:srgbClr val="34A853"/>
                 </a:solidFill>
               </a:rPr>
-              <a:t>Games have the largest average file size, people expect more content from games</a:t>
+              <a:t>On average, Game apps have the largest file size, most installs and reviews. </a:t>
+            </a:r>
+          </a:p>
+          <a:p>
+            <a:pPr marL="0" indent="0">
+              <a:lnSpc>
+                <a:spcPct val="200000"/>
+              </a:lnSpc>
+              <a:buNone/>
+            </a:pPr>
+            <a:r>
+              <a:rPr lang="en-US" dirty="0">
+                <a:solidFill>
+                  <a:srgbClr val="34A853"/>
+                </a:solidFill>
+              </a:rPr>
+              <a:t>        Having almost 50mb and half a million reviews per app.  </a:t>
+            </a:r>
+          </a:p>
+          <a:p>
+            <a:pPr marL="0" indent="0">
+              <a:lnSpc>
+                <a:spcPct val="200000"/>
+              </a:lnSpc>
+              <a:buNone/>
+            </a:pPr>
+            <a:r>
+              <a:rPr lang="en-US" dirty="0">
+                <a:solidFill>
+                  <a:srgbClr val="34A853"/>
+                </a:solidFill>
+              </a:rPr>
+              <a:t>       Most app categories have on average approximately 35mb and less than 250,000 reviews per app.</a:t>
+            </a:r>
+          </a:p>
+          <a:p>
+            <a:pPr marL="0" indent="0">
+              <a:lnSpc>
+                <a:spcPct val="200000"/>
+              </a:lnSpc>
+              <a:buNone/>
+            </a:pPr>
+            <a:r>
+              <a:rPr lang="en-US" dirty="0">
+                <a:solidFill>
+                  <a:srgbClr val="34A853"/>
+                </a:solidFill>
+              </a:rPr>
+              <a:t>       People will most likely expect to get more from a game app.</a:t>
             </a:r>
           </a:p>
           <a:p>
@@ -7785,7 +7896,23 @@
                   <a:srgbClr val="34A853"/>
                 </a:solidFill>
               </a:rPr>
-              <a:t>The average rating for games is near 4 stars</a:t>
+              <a:t>Medical apps seem to be the least installed and reviewed on average per app.  </a:t>
+            </a:r>
+          </a:p>
+          <a:p>
+            <a:pPr marL="0" indent="0">
+              <a:lnSpc>
+                <a:spcPct val="200000"/>
+              </a:lnSpc>
+              <a:buNone/>
+            </a:pPr>
+            <a:r>
+              <a:rPr lang="en-US" dirty="0">
+                <a:solidFill>
+                  <a:srgbClr val="34A853"/>
+                </a:solidFill>
+              </a:rPr>
+              <a:t>        To make a profit in this category, it will most likely need to be a paid for app.</a:t>
             </a:r>
           </a:p>
           <a:p>
@@ -7794,14 +7921,11 @@
                 <a:spcPct val="200000"/>
               </a:lnSpc>
             </a:pPr>
-            <a:r>
-              <a:rPr lang="en-US" dirty="0">
-                <a:solidFill>
-                  <a:srgbClr val="34A853"/>
-                </a:solidFill>
-              </a:rPr>
-              <a:t>People are a lot more likely to leave reviews on games compared to any other app</a:t>
-            </a:r>
+            <a:endParaRPr lang="en-US" dirty="0">
+              <a:solidFill>
+                <a:srgbClr val="34A853"/>
+              </a:solidFill>
+            </a:endParaRPr>
           </a:p>
         </p:txBody>
       </p:sp>
